--- a/sqldb-aad-authentication/images/figures.pptx
+++ b/sqldb-aad-authentication/images/figures.pptx
@@ -9,6 +9,8 @@
     <p:sldId id="257" r:id="rId3"/>
     <p:sldId id="258" r:id="rId4"/>
     <p:sldId id="259" r:id="rId5"/>
+    <p:sldId id="261" r:id="rId6"/>
+    <p:sldId id="260" r:id="rId7"/>
   </p:sldIdLst>
   <p:sldSz cx="12192000" cy="6858000"/>
   <p:notesSz cx="6858000" cy="9144000"/>
@@ -262,7 +264,7 @@
           <a:p>
             <a:fld id="{EE9BC1A2-3941-4F99-94F7-E87D860CDE54}" type="datetimeFigureOut">
               <a:rPr kumimoji="1" lang="ja-JP" altLang="en-US" smtClean="0"/>
-              <a:t>2020/3/3</a:t>
+              <a:t>2020/3/4</a:t>
             </a:fld>
             <a:endParaRPr kumimoji="1" lang="ja-JP" altLang="en-US"/>
           </a:p>
@@ -492,7 +494,7 @@
           <a:p>
             <a:fld id="{EE9BC1A2-3941-4F99-94F7-E87D860CDE54}" type="datetimeFigureOut">
               <a:rPr kumimoji="1" lang="ja-JP" altLang="en-US" smtClean="0"/>
-              <a:t>2020/3/3</a:t>
+              <a:t>2020/3/4</a:t>
             </a:fld>
             <a:endParaRPr kumimoji="1" lang="ja-JP" altLang="en-US"/>
           </a:p>
@@ -732,7 +734,7 @@
           <a:p>
             <a:fld id="{EE9BC1A2-3941-4F99-94F7-E87D860CDE54}" type="datetimeFigureOut">
               <a:rPr kumimoji="1" lang="ja-JP" altLang="en-US" smtClean="0"/>
-              <a:t>2020/3/3</a:t>
+              <a:t>2020/3/4</a:t>
             </a:fld>
             <a:endParaRPr kumimoji="1" lang="ja-JP" altLang="en-US"/>
           </a:p>
@@ -962,7 +964,7 @@
           <a:p>
             <a:fld id="{EE9BC1A2-3941-4F99-94F7-E87D860CDE54}" type="datetimeFigureOut">
               <a:rPr kumimoji="1" lang="ja-JP" altLang="en-US" smtClean="0"/>
-              <a:t>2020/3/3</a:t>
+              <a:t>2020/3/4</a:t>
             </a:fld>
             <a:endParaRPr kumimoji="1" lang="ja-JP" altLang="en-US"/>
           </a:p>
@@ -1237,7 +1239,7 @@
           <a:p>
             <a:fld id="{EE9BC1A2-3941-4F99-94F7-E87D860CDE54}" type="datetimeFigureOut">
               <a:rPr kumimoji="1" lang="ja-JP" altLang="en-US" smtClean="0"/>
-              <a:t>2020/3/3</a:t>
+              <a:t>2020/3/4</a:t>
             </a:fld>
             <a:endParaRPr kumimoji="1" lang="ja-JP" altLang="en-US"/>
           </a:p>
@@ -1566,7 +1568,7 @@
           <a:p>
             <a:fld id="{EE9BC1A2-3941-4F99-94F7-E87D860CDE54}" type="datetimeFigureOut">
               <a:rPr kumimoji="1" lang="ja-JP" altLang="en-US" smtClean="0"/>
-              <a:t>2020/3/3</a:t>
+              <a:t>2020/3/4</a:t>
             </a:fld>
             <a:endParaRPr kumimoji="1" lang="ja-JP" altLang="en-US"/>
           </a:p>
@@ -2042,7 +2044,7 @@
           <a:p>
             <a:fld id="{EE9BC1A2-3941-4F99-94F7-E87D860CDE54}" type="datetimeFigureOut">
               <a:rPr kumimoji="1" lang="ja-JP" altLang="en-US" smtClean="0"/>
-              <a:t>2020/3/3</a:t>
+              <a:t>2020/3/4</a:t>
             </a:fld>
             <a:endParaRPr kumimoji="1" lang="ja-JP" altLang="en-US"/>
           </a:p>
@@ -2183,7 +2185,7 @@
           <a:p>
             <a:fld id="{EE9BC1A2-3941-4F99-94F7-E87D860CDE54}" type="datetimeFigureOut">
               <a:rPr kumimoji="1" lang="ja-JP" altLang="en-US" smtClean="0"/>
-              <a:t>2020/3/3</a:t>
+              <a:t>2020/3/4</a:t>
             </a:fld>
             <a:endParaRPr kumimoji="1" lang="ja-JP" altLang="en-US"/>
           </a:p>
@@ -2296,7 +2298,7 @@
           <a:p>
             <a:fld id="{EE9BC1A2-3941-4F99-94F7-E87D860CDE54}" type="datetimeFigureOut">
               <a:rPr kumimoji="1" lang="ja-JP" altLang="en-US" smtClean="0"/>
-              <a:t>2020/3/3</a:t>
+              <a:t>2020/3/4</a:t>
             </a:fld>
             <a:endParaRPr kumimoji="1" lang="ja-JP" altLang="en-US"/>
           </a:p>
@@ -2639,7 +2641,7 @@
           <a:p>
             <a:fld id="{EE9BC1A2-3941-4F99-94F7-E87D860CDE54}" type="datetimeFigureOut">
               <a:rPr kumimoji="1" lang="ja-JP" altLang="en-US" smtClean="0"/>
-              <a:t>2020/3/3</a:t>
+              <a:t>2020/3/4</a:t>
             </a:fld>
             <a:endParaRPr kumimoji="1" lang="ja-JP" altLang="en-US"/>
           </a:p>
@@ -2927,7 +2929,7 @@
           <a:p>
             <a:fld id="{EE9BC1A2-3941-4F99-94F7-E87D860CDE54}" type="datetimeFigureOut">
               <a:rPr kumimoji="1" lang="ja-JP" altLang="en-US" smtClean="0"/>
-              <a:t>2020/3/3</a:t>
+              <a:t>2020/3/4</a:t>
             </a:fld>
             <a:endParaRPr kumimoji="1" lang="ja-JP" altLang="en-US"/>
           </a:p>
@@ -3200,7 +3202,7 @@
           <a:p>
             <a:fld id="{EE9BC1A2-3941-4F99-94F7-E87D860CDE54}" type="datetimeFigureOut">
               <a:rPr kumimoji="1" lang="ja-JP" altLang="en-US" smtClean="0"/>
-              <a:t>2020/3/3</a:t>
+              <a:t>2020/3/4</a:t>
             </a:fld>
             <a:endParaRPr kumimoji="1" lang="ja-JP" altLang="en-US"/>
           </a:p>
@@ -4039,6 +4041,239 @@
 </p:sld>
 </file>
 
+<file path=ppt/slides/slide5.xml><?xml version="1.0" encoding="utf-8"?>
+<p:sld xmlns:a="http://schemas.openxmlformats.org/drawingml/2006/main" xmlns:r="http://schemas.openxmlformats.org/officeDocument/2006/relationships" xmlns:p="http://schemas.openxmlformats.org/presentationml/2006/main">
+  <p:cSld>
+    <p:spTree>
+      <p:nvGrpSpPr>
+        <p:cNvPr id="1" name=""/>
+        <p:cNvGrpSpPr/>
+        <p:nvPr/>
+      </p:nvGrpSpPr>
+      <p:grpSpPr>
+        <a:xfrm>
+          <a:off x="0" y="0"/>
+          <a:ext cx="0" cy="0"/>
+          <a:chOff x="0" y="0"/>
+          <a:chExt cx="0" cy="0"/>
+        </a:xfrm>
+      </p:grpSpPr>
+      <p:pic>
+        <p:nvPicPr>
+          <p:cNvPr id="5" name="図 4">
+            <a:extLst>
+              <a:ext uri="{FF2B5EF4-FFF2-40B4-BE49-F238E27FC236}">
+                <a16:creationId xmlns:a16="http://schemas.microsoft.com/office/drawing/2014/main" id="{B62097DF-05D0-EC48-8895-F03BE05E44C1}"/>
+              </a:ext>
+            </a:extLst>
+          </p:cNvPr>
+          <p:cNvPicPr>
+            <a:picLocks noChangeAspect="1"/>
+          </p:cNvPicPr>
+          <p:nvPr/>
+        </p:nvPicPr>
+        <p:blipFill>
+          <a:blip r:embed="rId2"/>
+          <a:stretch>
+            <a:fillRect/>
+          </a:stretch>
+        </p:blipFill>
+        <p:spPr>
+          <a:xfrm>
+            <a:off x="1511300" y="990600"/>
+            <a:ext cx="9169400" cy="4876800"/>
+          </a:xfrm>
+          <a:prstGeom prst="rect">
+            <a:avLst/>
+          </a:prstGeom>
+          <a:ln>
+            <a:noFill/>
+          </a:ln>
+          <a:effectLst>
+            <a:outerShdw blurRad="292100" dist="139700" dir="2700000" algn="tl" rotWithShape="0">
+              <a:srgbClr val="333333">
+                <a:alpha val="65000"/>
+              </a:srgbClr>
+            </a:outerShdw>
+          </a:effectLst>
+        </p:spPr>
+      </p:pic>
+    </p:spTree>
+    <p:extLst>
+      <p:ext uri="{BB962C8B-B14F-4D97-AF65-F5344CB8AC3E}">
+        <p14:creationId xmlns:p14="http://schemas.microsoft.com/office/powerpoint/2010/main" val="2728484834"/>
+      </p:ext>
+    </p:extLst>
+  </p:cSld>
+  <p:clrMapOvr>
+    <a:masterClrMapping/>
+  </p:clrMapOvr>
+</p:sld>
+</file>
+
+<file path=ppt/slides/slide6.xml><?xml version="1.0" encoding="utf-8"?>
+<p:sld xmlns:a="http://schemas.openxmlformats.org/drawingml/2006/main" xmlns:r="http://schemas.openxmlformats.org/officeDocument/2006/relationships" xmlns:p="http://schemas.openxmlformats.org/presentationml/2006/main">
+  <p:cSld>
+    <p:spTree>
+      <p:nvGrpSpPr>
+        <p:cNvPr id="1" name=""/>
+        <p:cNvGrpSpPr/>
+        <p:nvPr/>
+      </p:nvGrpSpPr>
+      <p:grpSpPr>
+        <a:xfrm>
+          <a:off x="0" y="0"/>
+          <a:ext cx="0" cy="0"/>
+          <a:chOff x="0" y="0"/>
+          <a:chExt cx="0" cy="0"/>
+        </a:xfrm>
+      </p:grpSpPr>
+      <p:pic>
+        <p:nvPicPr>
+          <p:cNvPr id="9" name="図 8">
+            <a:extLst>
+              <a:ext uri="{FF2B5EF4-FFF2-40B4-BE49-F238E27FC236}">
+                <a16:creationId xmlns:a16="http://schemas.microsoft.com/office/drawing/2014/main" id="{BB2692CE-E820-1140-A23D-FDBE8E94DD7E}"/>
+              </a:ext>
+            </a:extLst>
+          </p:cNvPr>
+          <p:cNvPicPr>
+            <a:picLocks noChangeAspect="1"/>
+          </p:cNvPicPr>
+          <p:nvPr/>
+        </p:nvPicPr>
+        <p:blipFill>
+          <a:blip r:embed="rId2"/>
+          <a:stretch>
+            <a:fillRect/>
+          </a:stretch>
+        </p:blipFill>
+        <p:spPr>
+          <a:xfrm>
+            <a:off x="295648" y="381000"/>
+            <a:ext cx="5689600" cy="3048000"/>
+          </a:xfrm>
+          <a:prstGeom prst="rect">
+            <a:avLst/>
+          </a:prstGeom>
+          <a:ln>
+            <a:noFill/>
+          </a:ln>
+          <a:effectLst>
+            <a:outerShdw blurRad="292100" dist="139700" dir="2700000" algn="tl" rotWithShape="0">
+              <a:srgbClr val="333333">
+                <a:alpha val="65000"/>
+              </a:srgbClr>
+            </a:outerShdw>
+          </a:effectLst>
+        </p:spPr>
+      </p:pic>
+      <p:sp>
+        <p:nvSpPr>
+          <p:cNvPr id="10" name="角丸四角形 9">
+            <a:extLst>
+              <a:ext uri="{FF2B5EF4-FFF2-40B4-BE49-F238E27FC236}">
+                <a16:creationId xmlns:a16="http://schemas.microsoft.com/office/drawing/2014/main" id="{4C846C0B-2E46-444E-B4AB-5F3312886AB0}"/>
+              </a:ext>
+            </a:extLst>
+          </p:cNvPr>
+          <p:cNvSpPr/>
+          <p:nvPr/>
+        </p:nvSpPr>
+        <p:spPr>
+          <a:xfrm>
+            <a:off x="2499296" y="740993"/>
+            <a:ext cx="1359311" cy="378000"/>
+          </a:xfrm>
+          <a:prstGeom prst="roundRect">
+            <a:avLst/>
+          </a:prstGeom>
+          <a:noFill/>
+          <a:ln w="38100">
+            <a:solidFill>
+              <a:srgbClr val="FF0000"/>
+            </a:solidFill>
+            <a:prstDash val="dash"/>
+          </a:ln>
+        </p:spPr>
+        <p:style>
+          <a:lnRef idx="2">
+            <a:schemeClr val="accent1">
+              <a:shade val="50000"/>
+            </a:schemeClr>
+          </a:lnRef>
+          <a:fillRef idx="1">
+            <a:schemeClr val="accent1"/>
+          </a:fillRef>
+          <a:effectRef idx="0">
+            <a:schemeClr val="accent1"/>
+          </a:effectRef>
+          <a:fontRef idx="minor">
+            <a:schemeClr val="lt1"/>
+          </a:fontRef>
+        </p:style>
+        <p:txBody>
+          <a:bodyPr rtlCol="0" anchor="ctr"/>
+          <a:lstStyle/>
+          <a:p>
+            <a:pPr algn="ctr"/>
+            <a:endParaRPr kumimoji="1" lang="ja-JP" altLang="en-US"/>
+          </a:p>
+        </p:txBody>
+      </p:sp>
+      <p:pic>
+        <p:nvPicPr>
+          <p:cNvPr id="16" name="図 15">
+            <a:extLst>
+              <a:ext uri="{FF2B5EF4-FFF2-40B4-BE49-F238E27FC236}">
+                <a16:creationId xmlns:a16="http://schemas.microsoft.com/office/drawing/2014/main" id="{9C10DC91-7775-594C-AAD4-E36EC373C735}"/>
+              </a:ext>
+            </a:extLst>
+          </p:cNvPr>
+          <p:cNvPicPr>
+            <a:picLocks noChangeAspect="1"/>
+          </p:cNvPicPr>
+          <p:nvPr/>
+        </p:nvPicPr>
+        <p:blipFill>
+          <a:blip r:embed="rId3"/>
+          <a:stretch>
+            <a:fillRect/>
+          </a:stretch>
+        </p:blipFill>
+        <p:spPr>
+          <a:xfrm>
+            <a:off x="5278329" y="3165606"/>
+            <a:ext cx="5994400" cy="3073400"/>
+          </a:xfrm>
+          <a:prstGeom prst="rect">
+            <a:avLst/>
+          </a:prstGeom>
+          <a:ln>
+            <a:noFill/>
+          </a:ln>
+          <a:effectLst>
+            <a:outerShdw blurRad="292100" dist="139700" dir="2700000" algn="tl" rotWithShape="0">
+              <a:srgbClr val="333333">
+                <a:alpha val="65000"/>
+              </a:srgbClr>
+            </a:outerShdw>
+          </a:effectLst>
+        </p:spPr>
+      </p:pic>
+    </p:spTree>
+    <p:extLst>
+      <p:ext uri="{BB962C8B-B14F-4D97-AF65-F5344CB8AC3E}">
+        <p14:creationId xmlns:p14="http://schemas.microsoft.com/office/powerpoint/2010/main" val="1133504478"/>
+      </p:ext>
+    </p:extLst>
+  </p:cSld>
+  <p:clrMapOvr>
+    <a:masterClrMapping/>
+  </p:clrMapOvr>
+</p:sld>
+</file>
+
 <file path=ppt/theme/theme1.xml><?xml version="1.0" encoding="utf-8"?>
 <a:theme xmlns:a="http://schemas.openxmlformats.org/drawingml/2006/main" name="Office テーマ">
   <a:themeElements>

--- a/sqldb-aad-authentication/images/figures.pptx
+++ b/sqldb-aad-authentication/images/figures.pptx
@@ -11,6 +11,9 @@
     <p:sldId id="259" r:id="rId5"/>
     <p:sldId id="261" r:id="rId6"/>
     <p:sldId id="260" r:id="rId7"/>
+    <p:sldId id="262" r:id="rId8"/>
+    <p:sldId id="263" r:id="rId9"/>
+    <p:sldId id="264" r:id="rId10"/>
   </p:sldIdLst>
   <p:sldSz cx="12192000" cy="6858000"/>
   <p:notesSz cx="6858000" cy="9144000"/>
@@ -264,7 +267,7 @@
           <a:p>
             <a:fld id="{EE9BC1A2-3941-4F99-94F7-E87D860CDE54}" type="datetimeFigureOut">
               <a:rPr kumimoji="1" lang="ja-JP" altLang="en-US" smtClean="0"/>
-              <a:t>2020/3/4</a:t>
+              <a:t>2020/3/5</a:t>
             </a:fld>
             <a:endParaRPr kumimoji="1" lang="ja-JP" altLang="en-US"/>
           </a:p>
@@ -494,7 +497,7 @@
           <a:p>
             <a:fld id="{EE9BC1A2-3941-4F99-94F7-E87D860CDE54}" type="datetimeFigureOut">
               <a:rPr kumimoji="1" lang="ja-JP" altLang="en-US" smtClean="0"/>
-              <a:t>2020/3/4</a:t>
+              <a:t>2020/3/5</a:t>
             </a:fld>
             <a:endParaRPr kumimoji="1" lang="ja-JP" altLang="en-US"/>
           </a:p>
@@ -734,7 +737,7 @@
           <a:p>
             <a:fld id="{EE9BC1A2-3941-4F99-94F7-E87D860CDE54}" type="datetimeFigureOut">
               <a:rPr kumimoji="1" lang="ja-JP" altLang="en-US" smtClean="0"/>
-              <a:t>2020/3/4</a:t>
+              <a:t>2020/3/5</a:t>
             </a:fld>
             <a:endParaRPr kumimoji="1" lang="ja-JP" altLang="en-US"/>
           </a:p>
@@ -964,7 +967,7 @@
           <a:p>
             <a:fld id="{EE9BC1A2-3941-4F99-94F7-E87D860CDE54}" type="datetimeFigureOut">
               <a:rPr kumimoji="1" lang="ja-JP" altLang="en-US" smtClean="0"/>
-              <a:t>2020/3/4</a:t>
+              <a:t>2020/3/5</a:t>
             </a:fld>
             <a:endParaRPr kumimoji="1" lang="ja-JP" altLang="en-US"/>
           </a:p>
@@ -1239,7 +1242,7 @@
           <a:p>
             <a:fld id="{EE9BC1A2-3941-4F99-94F7-E87D860CDE54}" type="datetimeFigureOut">
               <a:rPr kumimoji="1" lang="ja-JP" altLang="en-US" smtClean="0"/>
-              <a:t>2020/3/4</a:t>
+              <a:t>2020/3/5</a:t>
             </a:fld>
             <a:endParaRPr kumimoji="1" lang="ja-JP" altLang="en-US"/>
           </a:p>
@@ -1568,7 +1571,7 @@
           <a:p>
             <a:fld id="{EE9BC1A2-3941-4F99-94F7-E87D860CDE54}" type="datetimeFigureOut">
               <a:rPr kumimoji="1" lang="ja-JP" altLang="en-US" smtClean="0"/>
-              <a:t>2020/3/4</a:t>
+              <a:t>2020/3/5</a:t>
             </a:fld>
             <a:endParaRPr kumimoji="1" lang="ja-JP" altLang="en-US"/>
           </a:p>
@@ -2044,7 +2047,7 @@
           <a:p>
             <a:fld id="{EE9BC1A2-3941-4F99-94F7-E87D860CDE54}" type="datetimeFigureOut">
               <a:rPr kumimoji="1" lang="ja-JP" altLang="en-US" smtClean="0"/>
-              <a:t>2020/3/4</a:t>
+              <a:t>2020/3/5</a:t>
             </a:fld>
             <a:endParaRPr kumimoji="1" lang="ja-JP" altLang="en-US"/>
           </a:p>
@@ -2185,7 +2188,7 @@
           <a:p>
             <a:fld id="{EE9BC1A2-3941-4F99-94F7-E87D860CDE54}" type="datetimeFigureOut">
               <a:rPr kumimoji="1" lang="ja-JP" altLang="en-US" smtClean="0"/>
-              <a:t>2020/3/4</a:t>
+              <a:t>2020/3/5</a:t>
             </a:fld>
             <a:endParaRPr kumimoji="1" lang="ja-JP" altLang="en-US"/>
           </a:p>
@@ -2298,7 +2301,7 @@
           <a:p>
             <a:fld id="{EE9BC1A2-3941-4F99-94F7-E87D860CDE54}" type="datetimeFigureOut">
               <a:rPr kumimoji="1" lang="ja-JP" altLang="en-US" smtClean="0"/>
-              <a:t>2020/3/4</a:t>
+              <a:t>2020/3/5</a:t>
             </a:fld>
             <a:endParaRPr kumimoji="1" lang="ja-JP" altLang="en-US"/>
           </a:p>
@@ -2641,7 +2644,7 @@
           <a:p>
             <a:fld id="{EE9BC1A2-3941-4F99-94F7-E87D860CDE54}" type="datetimeFigureOut">
               <a:rPr kumimoji="1" lang="ja-JP" altLang="en-US" smtClean="0"/>
-              <a:t>2020/3/4</a:t>
+              <a:t>2020/3/5</a:t>
             </a:fld>
             <a:endParaRPr kumimoji="1" lang="ja-JP" altLang="en-US"/>
           </a:p>
@@ -2929,7 +2932,7 @@
           <a:p>
             <a:fld id="{EE9BC1A2-3941-4F99-94F7-E87D860CDE54}" type="datetimeFigureOut">
               <a:rPr kumimoji="1" lang="ja-JP" altLang="en-US" smtClean="0"/>
-              <a:t>2020/3/4</a:t>
+              <a:t>2020/3/5</a:t>
             </a:fld>
             <a:endParaRPr kumimoji="1" lang="ja-JP" altLang="en-US"/>
           </a:p>
@@ -3202,7 +3205,7 @@
           <a:p>
             <a:fld id="{EE9BC1A2-3941-4F99-94F7-E87D860CDE54}" type="datetimeFigureOut">
               <a:rPr kumimoji="1" lang="ja-JP" altLang="en-US" smtClean="0"/>
-              <a:t>2020/3/4</a:t>
+              <a:t>2020/3/5</a:t>
             </a:fld>
             <a:endParaRPr kumimoji="1" lang="ja-JP" altLang="en-US"/>
           </a:p>
@@ -4274,6 +4277,342 @@
 </p:sld>
 </file>
 
+<file path=ppt/slides/slide7.xml><?xml version="1.0" encoding="utf-8"?>
+<p:sld xmlns:a="http://schemas.openxmlformats.org/drawingml/2006/main" xmlns:r="http://schemas.openxmlformats.org/officeDocument/2006/relationships" xmlns:p="http://schemas.openxmlformats.org/presentationml/2006/main">
+  <p:cSld>
+    <p:spTree>
+      <p:nvGrpSpPr>
+        <p:cNvPr id="1" name=""/>
+        <p:cNvGrpSpPr/>
+        <p:nvPr/>
+      </p:nvGrpSpPr>
+      <p:grpSpPr>
+        <a:xfrm>
+          <a:off x="0" y="0"/>
+          <a:ext cx="0" cy="0"/>
+          <a:chOff x="0" y="0"/>
+          <a:chExt cx="0" cy="0"/>
+        </a:xfrm>
+      </p:grpSpPr>
+      <p:sp>
+        <p:nvSpPr>
+          <p:cNvPr id="5" name="角丸四角形 4">
+            <a:extLst>
+              <a:ext uri="{FF2B5EF4-FFF2-40B4-BE49-F238E27FC236}">
+                <a16:creationId xmlns:a16="http://schemas.microsoft.com/office/drawing/2014/main" id="{66B91319-07D3-0D43-81DA-B90BA7FC93F9}"/>
+              </a:ext>
+            </a:extLst>
+          </p:cNvPr>
+          <p:cNvSpPr/>
+          <p:nvPr/>
+        </p:nvSpPr>
+        <p:spPr>
+          <a:xfrm>
+            <a:off x="7711223" y="1612488"/>
+            <a:ext cx="1203767" cy="451413"/>
+          </a:xfrm>
+          <a:prstGeom prst="roundRect">
+            <a:avLst/>
+          </a:prstGeom>
+          <a:noFill/>
+          <a:ln w="38100">
+            <a:solidFill>
+              <a:srgbClr val="FF0000"/>
+            </a:solidFill>
+            <a:prstDash val="dash"/>
+          </a:ln>
+        </p:spPr>
+        <p:style>
+          <a:lnRef idx="2">
+            <a:schemeClr val="accent1">
+              <a:shade val="50000"/>
+            </a:schemeClr>
+          </a:lnRef>
+          <a:fillRef idx="1">
+            <a:schemeClr val="accent1"/>
+          </a:fillRef>
+          <a:effectRef idx="0">
+            <a:schemeClr val="accent1"/>
+          </a:effectRef>
+          <a:fontRef idx="minor">
+            <a:schemeClr val="lt1"/>
+          </a:fontRef>
+        </p:style>
+        <p:txBody>
+          <a:bodyPr rtlCol="0" anchor="ctr"/>
+          <a:lstStyle/>
+          <a:p>
+            <a:pPr algn="ctr"/>
+            <a:endParaRPr kumimoji="1" lang="ja-JP" altLang="en-US"/>
+          </a:p>
+        </p:txBody>
+      </p:sp>
+      <p:pic>
+        <p:nvPicPr>
+          <p:cNvPr id="9" name="図 8">
+            <a:extLst>
+              <a:ext uri="{FF2B5EF4-FFF2-40B4-BE49-F238E27FC236}">
+                <a16:creationId xmlns:a16="http://schemas.microsoft.com/office/drawing/2014/main" id="{3EE0142D-50CC-7C4F-BEB9-A9F8D0FB4D5C}"/>
+              </a:ext>
+            </a:extLst>
+          </p:cNvPr>
+          <p:cNvPicPr>
+            <a:picLocks noChangeAspect="1"/>
+          </p:cNvPicPr>
+          <p:nvPr/>
+        </p:nvPicPr>
+        <p:blipFill>
+          <a:blip r:embed="rId2"/>
+          <a:stretch>
+            <a:fillRect/>
+          </a:stretch>
+        </p:blipFill>
+        <p:spPr>
+          <a:xfrm>
+            <a:off x="466421" y="441195"/>
+            <a:ext cx="6273800" cy="2794000"/>
+          </a:xfrm>
+          <a:prstGeom prst="rect">
+            <a:avLst/>
+          </a:prstGeom>
+          <a:ln>
+            <a:noFill/>
+          </a:ln>
+          <a:effectLst>
+            <a:outerShdw blurRad="292100" dist="139700" dir="2700000" algn="tl" rotWithShape="0">
+              <a:srgbClr val="333333">
+                <a:alpha val="65000"/>
+              </a:srgbClr>
+            </a:outerShdw>
+          </a:effectLst>
+        </p:spPr>
+      </p:pic>
+      <p:sp>
+        <p:nvSpPr>
+          <p:cNvPr id="10" name="角丸四角形 9">
+            <a:extLst>
+              <a:ext uri="{FF2B5EF4-FFF2-40B4-BE49-F238E27FC236}">
+                <a16:creationId xmlns:a16="http://schemas.microsoft.com/office/drawing/2014/main" id="{EBA5E73F-F30A-3145-8448-BB7C8CC0009A}"/>
+              </a:ext>
+            </a:extLst>
+          </p:cNvPr>
+          <p:cNvSpPr/>
+          <p:nvPr/>
+        </p:nvSpPr>
+        <p:spPr>
+          <a:xfrm>
+            <a:off x="4727914" y="1369722"/>
+            <a:ext cx="1938679" cy="410375"/>
+          </a:xfrm>
+          <a:prstGeom prst="roundRect">
+            <a:avLst/>
+          </a:prstGeom>
+          <a:noFill/>
+          <a:ln w="38100">
+            <a:solidFill>
+              <a:srgbClr val="FF0000"/>
+            </a:solidFill>
+            <a:prstDash val="dash"/>
+          </a:ln>
+        </p:spPr>
+        <p:style>
+          <a:lnRef idx="2">
+            <a:schemeClr val="accent1">
+              <a:shade val="50000"/>
+            </a:schemeClr>
+          </a:lnRef>
+          <a:fillRef idx="1">
+            <a:schemeClr val="accent1"/>
+          </a:fillRef>
+          <a:effectRef idx="0">
+            <a:schemeClr val="accent1"/>
+          </a:effectRef>
+          <a:fontRef idx="minor">
+            <a:schemeClr val="lt1"/>
+          </a:fontRef>
+        </p:style>
+        <p:txBody>
+          <a:bodyPr rtlCol="0" anchor="ctr"/>
+          <a:lstStyle/>
+          <a:p>
+            <a:pPr algn="ctr"/>
+            <a:endParaRPr kumimoji="1" lang="ja-JP" altLang="en-US"/>
+          </a:p>
+        </p:txBody>
+      </p:sp>
+      <p:pic>
+        <p:nvPicPr>
+          <p:cNvPr id="14" name="図 13">
+            <a:extLst>
+              <a:ext uri="{FF2B5EF4-FFF2-40B4-BE49-F238E27FC236}">
+                <a16:creationId xmlns:a16="http://schemas.microsoft.com/office/drawing/2014/main" id="{41EDBC29-C1EC-474D-834D-40E4BE7834E4}"/>
+              </a:ext>
+            </a:extLst>
+          </p:cNvPr>
+          <p:cNvPicPr>
+            <a:picLocks noChangeAspect="1"/>
+          </p:cNvPicPr>
+          <p:nvPr/>
+        </p:nvPicPr>
+        <p:blipFill>
+          <a:blip r:embed="rId3"/>
+          <a:stretch>
+            <a:fillRect/>
+          </a:stretch>
+        </p:blipFill>
+        <p:spPr>
+          <a:xfrm>
+            <a:off x="5166325" y="3235195"/>
+            <a:ext cx="5410200" cy="2794000"/>
+          </a:xfrm>
+          <a:prstGeom prst="rect">
+            <a:avLst/>
+          </a:prstGeom>
+        </p:spPr>
+      </p:pic>
+    </p:spTree>
+    <p:extLst>
+      <p:ext uri="{BB962C8B-B14F-4D97-AF65-F5344CB8AC3E}">
+        <p14:creationId xmlns:p14="http://schemas.microsoft.com/office/powerpoint/2010/main" val="1704442047"/>
+      </p:ext>
+    </p:extLst>
+  </p:cSld>
+  <p:clrMapOvr>
+    <a:masterClrMapping/>
+  </p:clrMapOvr>
+</p:sld>
+</file>
+
+<file path=ppt/slides/slide8.xml><?xml version="1.0" encoding="utf-8"?>
+<p:sld xmlns:a="http://schemas.openxmlformats.org/drawingml/2006/main" xmlns:r="http://schemas.openxmlformats.org/officeDocument/2006/relationships" xmlns:p="http://schemas.openxmlformats.org/presentationml/2006/main">
+  <p:cSld>
+    <p:spTree>
+      <p:nvGrpSpPr>
+        <p:cNvPr id="1" name=""/>
+        <p:cNvGrpSpPr/>
+        <p:nvPr/>
+      </p:nvGrpSpPr>
+      <p:grpSpPr>
+        <a:xfrm>
+          <a:off x="0" y="0"/>
+          <a:ext cx="0" cy="0"/>
+          <a:chOff x="0" y="0"/>
+          <a:chExt cx="0" cy="0"/>
+        </a:xfrm>
+      </p:grpSpPr>
+      <p:pic>
+        <p:nvPicPr>
+          <p:cNvPr id="15" name="図 14">
+            <a:extLst>
+              <a:ext uri="{FF2B5EF4-FFF2-40B4-BE49-F238E27FC236}">
+                <a16:creationId xmlns:a16="http://schemas.microsoft.com/office/drawing/2014/main" id="{5582C11B-EB03-DA45-9EDF-8289C34228EE}"/>
+              </a:ext>
+            </a:extLst>
+          </p:cNvPr>
+          <p:cNvPicPr>
+            <a:picLocks noChangeAspect="1"/>
+          </p:cNvPicPr>
+          <p:nvPr/>
+        </p:nvPicPr>
+        <p:blipFill>
+          <a:blip r:embed="rId2"/>
+          <a:stretch>
+            <a:fillRect/>
+          </a:stretch>
+        </p:blipFill>
+        <p:spPr>
+          <a:xfrm>
+            <a:off x="2266950" y="298450"/>
+            <a:ext cx="7658100" cy="6261100"/>
+          </a:xfrm>
+          <a:prstGeom prst="rect">
+            <a:avLst/>
+          </a:prstGeom>
+        </p:spPr>
+      </p:pic>
+    </p:spTree>
+    <p:extLst>
+      <p:ext uri="{BB962C8B-B14F-4D97-AF65-F5344CB8AC3E}">
+        <p14:creationId xmlns:p14="http://schemas.microsoft.com/office/powerpoint/2010/main" val="4265222244"/>
+      </p:ext>
+    </p:extLst>
+  </p:cSld>
+  <p:clrMapOvr>
+    <a:masterClrMapping/>
+  </p:clrMapOvr>
+</p:sld>
+</file>
+
+<file path=ppt/slides/slide9.xml><?xml version="1.0" encoding="utf-8"?>
+<p:sld xmlns:a="http://schemas.openxmlformats.org/drawingml/2006/main" xmlns:r="http://schemas.openxmlformats.org/officeDocument/2006/relationships" xmlns:p="http://schemas.openxmlformats.org/presentationml/2006/main">
+  <p:cSld>
+    <p:spTree>
+      <p:nvGrpSpPr>
+        <p:cNvPr id="1" name=""/>
+        <p:cNvGrpSpPr/>
+        <p:nvPr/>
+      </p:nvGrpSpPr>
+      <p:grpSpPr>
+        <a:xfrm>
+          <a:off x="0" y="0"/>
+          <a:ext cx="0" cy="0"/>
+          <a:chOff x="0" y="0"/>
+          <a:chExt cx="0" cy="0"/>
+        </a:xfrm>
+      </p:grpSpPr>
+      <p:pic>
+        <p:nvPicPr>
+          <p:cNvPr id="4" name="図 3">
+            <a:extLst>
+              <a:ext uri="{FF2B5EF4-FFF2-40B4-BE49-F238E27FC236}">
+                <a16:creationId xmlns:a16="http://schemas.microsoft.com/office/drawing/2014/main" id="{19B31A09-D0F7-C540-B046-AD35CAB16093}"/>
+              </a:ext>
+            </a:extLst>
+          </p:cNvPr>
+          <p:cNvPicPr>
+            <a:picLocks noChangeAspect="1"/>
+          </p:cNvPicPr>
+          <p:nvPr/>
+        </p:nvPicPr>
+        <p:blipFill>
+          <a:blip r:embed="rId2"/>
+          <a:stretch>
+            <a:fillRect/>
+          </a:stretch>
+        </p:blipFill>
+        <p:spPr>
+          <a:xfrm>
+            <a:off x="3765550" y="2400300"/>
+            <a:ext cx="4660900" cy="2057400"/>
+          </a:xfrm>
+          <a:prstGeom prst="rect">
+            <a:avLst/>
+          </a:prstGeom>
+          <a:ln>
+            <a:noFill/>
+          </a:ln>
+          <a:effectLst>
+            <a:outerShdw blurRad="292100" dist="139700" dir="2700000" algn="tl" rotWithShape="0">
+              <a:srgbClr val="333333">
+                <a:alpha val="65000"/>
+              </a:srgbClr>
+            </a:outerShdw>
+          </a:effectLst>
+        </p:spPr>
+      </p:pic>
+    </p:spTree>
+    <p:extLst>
+      <p:ext uri="{BB962C8B-B14F-4D97-AF65-F5344CB8AC3E}">
+        <p14:creationId xmlns:p14="http://schemas.microsoft.com/office/powerpoint/2010/main" val="41692192"/>
+      </p:ext>
+    </p:extLst>
+  </p:cSld>
+  <p:clrMapOvr>
+    <a:masterClrMapping/>
+  </p:clrMapOvr>
+</p:sld>
+</file>
+
 <file path=ppt/theme/theme1.xml><?xml version="1.0" encoding="utf-8"?>
 <a:theme xmlns:a="http://schemas.openxmlformats.org/drawingml/2006/main" name="Office テーマ">
   <a:themeElements>

--- a/sqldb-aad-authentication/images/figures.pptx
+++ b/sqldb-aad-authentication/images/figures.pptx
@@ -5,15 +5,16 @@
     <p:sldMasterId id="2147483648" r:id="rId1"/>
   </p:sldMasterIdLst>
   <p:sldIdLst>
-    <p:sldId id="256" r:id="rId2"/>
-    <p:sldId id="257" r:id="rId3"/>
-    <p:sldId id="258" r:id="rId4"/>
-    <p:sldId id="259" r:id="rId5"/>
-    <p:sldId id="261" r:id="rId6"/>
-    <p:sldId id="260" r:id="rId7"/>
-    <p:sldId id="262" r:id="rId8"/>
-    <p:sldId id="263" r:id="rId9"/>
-    <p:sldId id="264" r:id="rId10"/>
+    <p:sldId id="265" r:id="rId2"/>
+    <p:sldId id="256" r:id="rId3"/>
+    <p:sldId id="257" r:id="rId4"/>
+    <p:sldId id="258" r:id="rId5"/>
+    <p:sldId id="259" r:id="rId6"/>
+    <p:sldId id="261" r:id="rId7"/>
+    <p:sldId id="260" r:id="rId8"/>
+    <p:sldId id="262" r:id="rId9"/>
+    <p:sldId id="263" r:id="rId10"/>
+    <p:sldId id="264" r:id="rId11"/>
   </p:sldIdLst>
   <p:sldSz cx="12192000" cy="6858000"/>
   <p:notesSz cx="6858000" cy="9144000"/>
@@ -3622,6 +3623,1394 @@
           <a:chExt cx="0" cy="0"/>
         </a:xfrm>
       </p:grpSpPr>
+      <p:grpSp>
+        <p:nvGrpSpPr>
+          <p:cNvPr id="40" name="グループ化 39">
+            <a:extLst>
+              <a:ext uri="{FF2B5EF4-FFF2-40B4-BE49-F238E27FC236}">
+                <a16:creationId xmlns:a16="http://schemas.microsoft.com/office/drawing/2014/main" id="{7C94BAB9-EC71-2148-9553-A2DA946F93F4}"/>
+              </a:ext>
+            </a:extLst>
+          </p:cNvPr>
+          <p:cNvGrpSpPr/>
+          <p:nvPr/>
+        </p:nvGrpSpPr>
+        <p:grpSpPr>
+          <a:xfrm>
+            <a:off x="1899975" y="143123"/>
+            <a:ext cx="8296041" cy="5486400"/>
+            <a:chOff x="1899975" y="143123"/>
+            <a:chExt cx="8296041" cy="5486400"/>
+          </a:xfrm>
+        </p:grpSpPr>
+        <p:sp>
+          <p:nvSpPr>
+            <p:cNvPr id="39" name="正方形/長方形 38">
+              <a:extLst>
+                <a:ext uri="{FF2B5EF4-FFF2-40B4-BE49-F238E27FC236}">
+                  <a16:creationId xmlns:a16="http://schemas.microsoft.com/office/drawing/2014/main" id="{A6531A36-49D8-3F4E-B10E-CECCCA53BFF8}"/>
+                </a:ext>
+              </a:extLst>
+            </p:cNvPr>
+            <p:cNvSpPr/>
+            <p:nvPr/>
+          </p:nvSpPr>
+          <p:spPr>
+            <a:xfrm>
+              <a:off x="1899975" y="143123"/>
+              <a:ext cx="8296041" cy="5486400"/>
+            </a:xfrm>
+            <a:prstGeom prst="rect">
+              <a:avLst/>
+            </a:prstGeom>
+            <a:ln>
+              <a:noFill/>
+            </a:ln>
+          </p:spPr>
+          <p:style>
+            <a:lnRef idx="2">
+              <a:schemeClr val="accent6"/>
+            </a:lnRef>
+            <a:fillRef idx="1">
+              <a:schemeClr val="lt1"/>
+            </a:fillRef>
+            <a:effectRef idx="0">
+              <a:schemeClr val="accent6"/>
+            </a:effectRef>
+            <a:fontRef idx="minor">
+              <a:schemeClr val="dk1"/>
+            </a:fontRef>
+          </p:style>
+          <p:txBody>
+            <a:bodyPr rtlCol="0" anchor="ctr"/>
+            <a:lstStyle/>
+            <a:p>
+              <a:pPr algn="ctr"/>
+              <a:endParaRPr kumimoji="1" lang="ja-JP" altLang="en-US"/>
+            </a:p>
+          </p:txBody>
+        </p:sp>
+        <p:sp>
+          <p:nvSpPr>
+            <p:cNvPr id="23" name="メモ 22">
+              <a:extLst>
+                <a:ext uri="{FF2B5EF4-FFF2-40B4-BE49-F238E27FC236}">
+                  <a16:creationId xmlns:a16="http://schemas.microsoft.com/office/drawing/2014/main" id="{2431B62D-D111-DA4F-BA33-F57574888B98}"/>
+                </a:ext>
+              </a:extLst>
+            </p:cNvPr>
+            <p:cNvSpPr/>
+            <p:nvPr/>
+          </p:nvSpPr>
+          <p:spPr>
+            <a:xfrm>
+              <a:off x="5126008" y="2048355"/>
+              <a:ext cx="1678781" cy="2054546"/>
+            </a:xfrm>
+            <a:prstGeom prst="foldedCorner">
+              <a:avLst/>
+            </a:prstGeom>
+          </p:spPr>
+          <p:style>
+            <a:lnRef idx="2">
+              <a:schemeClr val="accent1"/>
+            </a:lnRef>
+            <a:fillRef idx="1">
+              <a:schemeClr val="lt1"/>
+            </a:fillRef>
+            <a:effectRef idx="0">
+              <a:schemeClr val="accent1"/>
+            </a:effectRef>
+            <a:fontRef idx="minor">
+              <a:schemeClr val="dk1"/>
+            </a:fontRef>
+          </p:style>
+          <p:txBody>
+            <a:bodyPr rtlCol="0" anchor="t"/>
+            <a:lstStyle/>
+            <a:p>
+              <a:r>
+                <a:rPr lang="ja-JP" altLang="en-US" sz="1200"/>
+                <a:t>サブスクリプション</a:t>
+              </a:r>
+              <a:endParaRPr kumimoji="1" lang="ja-JP" altLang="en-US" sz="1200"/>
+            </a:p>
+          </p:txBody>
+        </p:sp>
+        <p:pic>
+          <p:nvPicPr>
+            <p:cNvPr id="3" name="図 2" descr="挿絵, 記号 が含まれている画像&#10;&#10;自動的に生成された説明">
+              <a:extLst>
+                <a:ext uri="{FF2B5EF4-FFF2-40B4-BE49-F238E27FC236}">
+                  <a16:creationId xmlns:a16="http://schemas.microsoft.com/office/drawing/2014/main" id="{179987E7-7BE8-7942-B123-438DB8418D5C}"/>
+                </a:ext>
+              </a:extLst>
+            </p:cNvPr>
+            <p:cNvPicPr>
+              <a:picLocks noChangeAspect="1"/>
+            </p:cNvPicPr>
+            <p:nvPr/>
+          </p:nvPicPr>
+          <p:blipFill>
+            <a:blip r:embed="rId2">
+              <a:extLst>
+                <a:ext uri="{28A0092B-C50C-407E-A947-70E740481C1C}">
+                  <a14:useLocalDpi xmlns:a14="http://schemas.microsoft.com/office/drawing/2010/main" val="0"/>
+                </a:ext>
+              </a:extLst>
+            </a:blip>
+            <a:stretch>
+              <a:fillRect/>
+            </a:stretch>
+          </p:blipFill>
+          <p:spPr>
+            <a:xfrm>
+              <a:off x="5594701" y="2801713"/>
+              <a:ext cx="937387" cy="937387"/>
+            </a:xfrm>
+            <a:prstGeom prst="rect">
+              <a:avLst/>
+            </a:prstGeom>
+          </p:spPr>
+        </p:pic>
+        <p:sp>
+          <p:nvSpPr>
+            <p:cNvPr id="4" name="スマイル 3">
+              <a:extLst>
+                <a:ext uri="{FF2B5EF4-FFF2-40B4-BE49-F238E27FC236}">
+                  <a16:creationId xmlns:a16="http://schemas.microsoft.com/office/drawing/2014/main" id="{CE017667-8789-6046-87C7-6832CB6C570E}"/>
+                </a:ext>
+              </a:extLst>
+            </p:cNvPr>
+            <p:cNvSpPr/>
+            <p:nvPr/>
+          </p:nvSpPr>
+          <p:spPr>
+            <a:xfrm>
+              <a:off x="3210256" y="1684122"/>
+              <a:ext cx="667909" cy="636104"/>
+            </a:xfrm>
+            <a:prstGeom prst="smileyFace">
+              <a:avLst/>
+            </a:prstGeom>
+          </p:spPr>
+          <p:style>
+            <a:lnRef idx="1">
+              <a:schemeClr val="accent2"/>
+            </a:lnRef>
+            <a:fillRef idx="2">
+              <a:schemeClr val="accent2"/>
+            </a:fillRef>
+            <a:effectRef idx="1">
+              <a:schemeClr val="accent2"/>
+            </a:effectRef>
+            <a:fontRef idx="minor">
+              <a:schemeClr val="dk1"/>
+            </a:fontRef>
+          </p:style>
+          <p:txBody>
+            <a:bodyPr rtlCol="0" anchor="ctr"/>
+            <a:lstStyle/>
+            <a:p>
+              <a:pPr algn="ctr"/>
+              <a:endParaRPr kumimoji="1" lang="ja-JP" altLang="en-US"/>
+            </a:p>
+          </p:txBody>
+        </p:sp>
+        <p:sp>
+          <p:nvSpPr>
+            <p:cNvPr id="5" name="テキスト ボックス 4">
+              <a:extLst>
+                <a:ext uri="{FF2B5EF4-FFF2-40B4-BE49-F238E27FC236}">
+                  <a16:creationId xmlns:a16="http://schemas.microsoft.com/office/drawing/2014/main" id="{46112D97-7756-364D-BC85-4804DB7D1428}"/>
+                </a:ext>
+              </a:extLst>
+            </p:cNvPr>
+            <p:cNvSpPr txBox="1"/>
+            <p:nvPr/>
+          </p:nvSpPr>
+          <p:spPr>
+            <a:xfrm>
+              <a:off x="2648809" y="1393208"/>
+              <a:ext cx="1425390" cy="307777"/>
+            </a:xfrm>
+            <a:prstGeom prst="rect">
+              <a:avLst/>
+            </a:prstGeom>
+            <a:noFill/>
+          </p:spPr>
+          <p:txBody>
+            <a:bodyPr wrap="none" rtlCol="0">
+              <a:spAutoFit/>
+            </a:bodyPr>
+            <a:lstStyle/>
+            <a:p>
+              <a:pPr algn="ctr"/>
+              <a:r>
+                <a:rPr kumimoji="1" lang="en-US" altLang="ja-JP" sz="1400" dirty="0"/>
+                <a:t>Azure </a:t>
+              </a:r>
+              <a:r>
+                <a:rPr kumimoji="1" lang="ja-JP" altLang="en-US" sz="1400"/>
+                <a:t>の管理者</a:t>
+              </a:r>
+              <a:endParaRPr kumimoji="1" lang="en-US" altLang="ja-JP" sz="1400" dirty="0"/>
+            </a:p>
+          </p:txBody>
+        </p:sp>
+        <p:sp>
+          <p:nvSpPr>
+            <p:cNvPr id="6" name="スマイル 5">
+              <a:extLst>
+                <a:ext uri="{FF2B5EF4-FFF2-40B4-BE49-F238E27FC236}">
+                  <a16:creationId xmlns:a16="http://schemas.microsoft.com/office/drawing/2014/main" id="{BC96C7CC-CF52-AF49-B4A3-EDD13F13C90D}"/>
+                </a:ext>
+              </a:extLst>
+            </p:cNvPr>
+            <p:cNvSpPr/>
+            <p:nvPr/>
+          </p:nvSpPr>
+          <p:spPr>
+            <a:xfrm>
+              <a:off x="3206062" y="4250633"/>
+              <a:ext cx="667909" cy="636104"/>
+            </a:xfrm>
+            <a:prstGeom prst="smileyFace">
+              <a:avLst/>
+            </a:prstGeom>
+          </p:spPr>
+          <p:style>
+            <a:lnRef idx="1">
+              <a:schemeClr val="accent4"/>
+            </a:lnRef>
+            <a:fillRef idx="2">
+              <a:schemeClr val="accent4"/>
+            </a:fillRef>
+            <a:effectRef idx="1">
+              <a:schemeClr val="accent4"/>
+            </a:effectRef>
+            <a:fontRef idx="minor">
+              <a:schemeClr val="dk1"/>
+            </a:fontRef>
+          </p:style>
+          <p:txBody>
+            <a:bodyPr rtlCol="0" anchor="ctr"/>
+            <a:lstStyle/>
+            <a:p>
+              <a:pPr algn="ctr"/>
+              <a:endParaRPr kumimoji="1" lang="ja-JP" altLang="en-US"/>
+            </a:p>
+          </p:txBody>
+        </p:sp>
+        <p:sp>
+          <p:nvSpPr>
+            <p:cNvPr id="7" name="テキスト ボックス 6">
+              <a:extLst>
+                <a:ext uri="{FF2B5EF4-FFF2-40B4-BE49-F238E27FC236}">
+                  <a16:creationId xmlns:a16="http://schemas.microsoft.com/office/drawing/2014/main" id="{E54D25E6-1FC0-FC4F-9091-4C8839A6CFFD}"/>
+                </a:ext>
+              </a:extLst>
+            </p:cNvPr>
+            <p:cNvSpPr txBox="1"/>
+            <p:nvPr/>
+          </p:nvSpPr>
+          <p:spPr>
+            <a:xfrm>
+              <a:off x="2639771" y="4886737"/>
+              <a:ext cx="1800493" cy="523220"/>
+            </a:xfrm>
+            <a:prstGeom prst="rect">
+              <a:avLst/>
+            </a:prstGeom>
+            <a:noFill/>
+          </p:spPr>
+          <p:txBody>
+            <a:bodyPr wrap="none" rtlCol="0">
+              <a:spAutoFit/>
+            </a:bodyPr>
+            <a:lstStyle/>
+            <a:p>
+              <a:pPr algn="ctr"/>
+              <a:r>
+                <a:rPr kumimoji="1" lang="ja-JP" altLang="en-US" sz="1400"/>
+                <a:t>データベース管理者</a:t>
+              </a:r>
+              <a:endParaRPr kumimoji="1" lang="en-US" altLang="ja-JP" sz="1400" dirty="0"/>
+            </a:p>
+            <a:p>
+              <a:pPr algn="ctr"/>
+              <a:r>
+                <a:rPr lang="en-US" altLang="ja-JP" sz="1400" dirty="0" err="1"/>
+                <a:t>sqladmin</a:t>
+              </a:r>
+              <a:endParaRPr kumimoji="1" lang="en-US" altLang="ja-JP" sz="1400" dirty="0"/>
+            </a:p>
+          </p:txBody>
+        </p:sp>
+        <p:sp>
+          <p:nvSpPr>
+            <p:cNvPr id="8" name="スマイル 7">
+              <a:extLst>
+                <a:ext uri="{FF2B5EF4-FFF2-40B4-BE49-F238E27FC236}">
+                  <a16:creationId xmlns:a16="http://schemas.microsoft.com/office/drawing/2014/main" id="{7AAB687D-B1C9-6949-B493-04C5DFE90064}"/>
+                </a:ext>
+              </a:extLst>
+            </p:cNvPr>
+            <p:cNvSpPr/>
+            <p:nvPr/>
+          </p:nvSpPr>
+          <p:spPr>
+            <a:xfrm>
+              <a:off x="8006297" y="1684122"/>
+              <a:ext cx="667909" cy="636104"/>
+            </a:xfrm>
+            <a:prstGeom prst="smileyFace">
+              <a:avLst/>
+            </a:prstGeom>
+          </p:spPr>
+          <p:style>
+            <a:lnRef idx="1">
+              <a:schemeClr val="accent6"/>
+            </a:lnRef>
+            <a:fillRef idx="2">
+              <a:schemeClr val="accent6"/>
+            </a:fillRef>
+            <a:effectRef idx="1">
+              <a:schemeClr val="accent6"/>
+            </a:effectRef>
+            <a:fontRef idx="minor">
+              <a:schemeClr val="dk1"/>
+            </a:fontRef>
+          </p:style>
+          <p:txBody>
+            <a:bodyPr rtlCol="0" anchor="ctr"/>
+            <a:lstStyle/>
+            <a:p>
+              <a:pPr algn="ctr"/>
+              <a:endParaRPr kumimoji="1" lang="ja-JP" altLang="en-US"/>
+            </a:p>
+          </p:txBody>
+        </p:sp>
+        <p:sp>
+          <p:nvSpPr>
+            <p:cNvPr id="9" name="テキスト ボックス 8">
+              <a:extLst>
+                <a:ext uri="{FF2B5EF4-FFF2-40B4-BE49-F238E27FC236}">
+                  <a16:creationId xmlns:a16="http://schemas.microsoft.com/office/drawing/2014/main" id="{832A3435-53A0-A84F-AC9D-D3953AA6E3C7}"/>
+                </a:ext>
+              </a:extLst>
+            </p:cNvPr>
+            <p:cNvSpPr txBox="1"/>
+            <p:nvPr/>
+          </p:nvSpPr>
+          <p:spPr>
+            <a:xfrm>
+              <a:off x="7428423" y="1160902"/>
+              <a:ext cx="1800493" cy="523220"/>
+            </a:xfrm>
+            <a:prstGeom prst="rect">
+              <a:avLst/>
+            </a:prstGeom>
+            <a:noFill/>
+          </p:spPr>
+          <p:txBody>
+            <a:bodyPr wrap="none" rtlCol="0">
+              <a:spAutoFit/>
+            </a:bodyPr>
+            <a:lstStyle/>
+            <a:p>
+              <a:pPr algn="ctr"/>
+              <a:r>
+                <a:rPr lang="ja-JP" altLang="en-US" sz="1400"/>
+                <a:t>データベース利用者</a:t>
+              </a:r>
+            </a:p>
+            <a:p>
+              <a:pPr algn="ctr"/>
+              <a:r>
+                <a:rPr kumimoji="1" lang="en-US" altLang="ja-JP" sz="1400" dirty="0" err="1"/>
+                <a:t>sqluser</a:t>
+              </a:r>
+              <a:endParaRPr kumimoji="1" lang="en-US" altLang="ja-JP" sz="1400" dirty="0"/>
+            </a:p>
+          </p:txBody>
+        </p:sp>
+        <p:sp>
+          <p:nvSpPr>
+            <p:cNvPr id="10" name="六角形 9">
+              <a:extLst>
+                <a:ext uri="{FF2B5EF4-FFF2-40B4-BE49-F238E27FC236}">
+                  <a16:creationId xmlns:a16="http://schemas.microsoft.com/office/drawing/2014/main" id="{9EC60B45-0AAF-6648-A02D-C6BD8F0686F1}"/>
+                </a:ext>
+              </a:extLst>
+            </p:cNvPr>
+            <p:cNvSpPr/>
+            <p:nvPr/>
+          </p:nvSpPr>
+          <p:spPr>
+            <a:xfrm>
+              <a:off x="7970330" y="4296814"/>
+              <a:ext cx="667909" cy="636104"/>
+            </a:xfrm>
+            <a:prstGeom prst="hexagon">
+              <a:avLst/>
+            </a:prstGeom>
+          </p:spPr>
+          <p:style>
+            <a:lnRef idx="2">
+              <a:schemeClr val="accent1">
+                <a:shade val="50000"/>
+              </a:schemeClr>
+            </a:lnRef>
+            <a:fillRef idx="1">
+              <a:schemeClr val="accent1"/>
+            </a:fillRef>
+            <a:effectRef idx="0">
+              <a:schemeClr val="accent1"/>
+            </a:effectRef>
+            <a:fontRef idx="minor">
+              <a:schemeClr val="lt1"/>
+            </a:fontRef>
+          </p:style>
+          <p:txBody>
+            <a:bodyPr rtlCol="0" anchor="ctr"/>
+            <a:lstStyle/>
+            <a:p>
+              <a:pPr algn="ctr"/>
+              <a:endParaRPr kumimoji="1" lang="ja-JP" altLang="en-US"/>
+            </a:p>
+          </p:txBody>
+        </p:sp>
+        <p:sp>
+          <p:nvSpPr>
+            <p:cNvPr id="11" name="テキスト ボックス 10">
+              <a:extLst>
+                <a:ext uri="{FF2B5EF4-FFF2-40B4-BE49-F238E27FC236}">
+                  <a16:creationId xmlns:a16="http://schemas.microsoft.com/office/drawing/2014/main" id="{B9FA06C5-05E0-624D-9520-75AF348C0AA6}"/>
+                </a:ext>
+              </a:extLst>
+            </p:cNvPr>
+            <p:cNvSpPr txBox="1"/>
+            <p:nvPr/>
+          </p:nvSpPr>
+          <p:spPr>
+            <a:xfrm>
+              <a:off x="7493804" y="4988577"/>
+              <a:ext cx="1620957" cy="307777"/>
+            </a:xfrm>
+            <a:prstGeom prst="rect">
+              <a:avLst/>
+            </a:prstGeom>
+            <a:noFill/>
+          </p:spPr>
+          <p:txBody>
+            <a:bodyPr wrap="none" rtlCol="0">
+              <a:spAutoFit/>
+            </a:bodyPr>
+            <a:lstStyle/>
+            <a:p>
+              <a:pPr algn="ctr"/>
+              <a:r>
+                <a:rPr kumimoji="1" lang="ja-JP" altLang="en-US" sz="1400"/>
+                <a:t>アプリケーション</a:t>
+              </a:r>
+              <a:endParaRPr kumimoji="1" lang="en-US" altLang="ja-JP" sz="1400" dirty="0"/>
+            </a:p>
+          </p:txBody>
+        </p:sp>
+        <p:cxnSp>
+          <p:nvCxnSpPr>
+            <p:cNvPr id="13" name="直線矢印コネクタ 12">
+              <a:extLst>
+                <a:ext uri="{FF2B5EF4-FFF2-40B4-BE49-F238E27FC236}">
+                  <a16:creationId xmlns:a16="http://schemas.microsoft.com/office/drawing/2014/main" id="{91B5EDEE-AD52-334C-B0A1-1A3A4E69E3C0}"/>
+                </a:ext>
+              </a:extLst>
+            </p:cNvPr>
+            <p:cNvCxnSpPr>
+              <a:cxnSpLocks/>
+            </p:cNvCxnSpPr>
+            <p:nvPr/>
+          </p:nvCxnSpPr>
+          <p:spPr>
+            <a:xfrm>
+              <a:off x="3954944" y="2242268"/>
+              <a:ext cx="1566435" cy="787179"/>
+            </a:xfrm>
+            <a:prstGeom prst="straightConnector1">
+              <a:avLst/>
+            </a:prstGeom>
+            <a:ln w="28575" cap="flat" cmpd="sng" algn="ctr">
+              <a:solidFill>
+                <a:schemeClr val="dk1"/>
+              </a:solidFill>
+              <a:prstDash val="solid"/>
+              <a:round/>
+              <a:headEnd type="none" w="med" len="med"/>
+              <a:tailEnd type="arrow" w="med" len="med"/>
+            </a:ln>
+          </p:spPr>
+          <p:style>
+            <a:lnRef idx="0">
+              <a:scrgbClr r="0" g="0" b="0"/>
+            </a:lnRef>
+            <a:fillRef idx="0">
+              <a:scrgbClr r="0" g="0" b="0"/>
+            </a:fillRef>
+            <a:effectRef idx="0">
+              <a:scrgbClr r="0" g="0" b="0"/>
+            </a:effectRef>
+            <a:fontRef idx="minor">
+              <a:schemeClr val="tx1"/>
+            </a:fontRef>
+          </p:style>
+        </p:cxnSp>
+        <p:sp>
+          <p:nvSpPr>
+            <p:cNvPr id="15" name="テキスト ボックス 14">
+              <a:extLst>
+                <a:ext uri="{FF2B5EF4-FFF2-40B4-BE49-F238E27FC236}">
+                  <a16:creationId xmlns:a16="http://schemas.microsoft.com/office/drawing/2014/main" id="{35426AC6-9E4C-3043-80D6-618F96F57C8B}"/>
+                </a:ext>
+              </a:extLst>
+            </p:cNvPr>
+            <p:cNvSpPr txBox="1"/>
+            <p:nvPr/>
+          </p:nvSpPr>
+          <p:spPr>
+            <a:xfrm>
+              <a:off x="2821982" y="2705171"/>
+              <a:ext cx="2254143" cy="276999"/>
+            </a:xfrm>
+            <a:prstGeom prst="rect">
+              <a:avLst/>
+            </a:prstGeom>
+            <a:noFill/>
+          </p:spPr>
+          <p:txBody>
+            <a:bodyPr wrap="none" rtlCol="0">
+              <a:spAutoFit/>
+            </a:bodyPr>
+            <a:lstStyle/>
+            <a:p>
+              <a:r>
+                <a:rPr lang="en-US" altLang="ja-JP" sz="1200" dirty="0" err="1"/>
+                <a:t>sqladmin</a:t>
+              </a:r>
+              <a:r>
+                <a:rPr lang="ja-JP" altLang="en-US" sz="1200"/>
+                <a:t> を </a:t>
+              </a:r>
+              <a:r>
+                <a:rPr lang="en-US" altLang="ja-JP" sz="1200" dirty="0"/>
+                <a:t>AD</a:t>
+              </a:r>
+              <a:r>
+                <a:rPr lang="ja-JP" altLang="en-US" sz="1200"/>
+                <a:t> 管理者に設定</a:t>
+              </a:r>
+              <a:endParaRPr kumimoji="1" lang="en-US" altLang="ja-JP" sz="1200" dirty="0"/>
+            </a:p>
+          </p:txBody>
+        </p:sp>
+        <p:cxnSp>
+          <p:nvCxnSpPr>
+            <p:cNvPr id="16" name="直線矢印コネクタ 15">
+              <a:extLst>
+                <a:ext uri="{FF2B5EF4-FFF2-40B4-BE49-F238E27FC236}">
+                  <a16:creationId xmlns:a16="http://schemas.microsoft.com/office/drawing/2014/main" id="{B17A5DC3-CFBB-F143-94BE-B6FCEF230690}"/>
+                </a:ext>
+              </a:extLst>
+            </p:cNvPr>
+            <p:cNvCxnSpPr>
+              <a:cxnSpLocks/>
+            </p:cNvCxnSpPr>
+            <p:nvPr/>
+          </p:nvCxnSpPr>
+          <p:spPr>
+            <a:xfrm flipH="1">
+              <a:off x="6351236" y="2242268"/>
+              <a:ext cx="1566435" cy="787179"/>
+            </a:xfrm>
+            <a:prstGeom prst="straightConnector1">
+              <a:avLst/>
+            </a:prstGeom>
+            <a:ln w="28575" cap="flat" cmpd="sng" algn="ctr">
+              <a:solidFill>
+                <a:schemeClr val="dk1"/>
+              </a:solidFill>
+              <a:prstDash val="solid"/>
+              <a:round/>
+              <a:headEnd type="none" w="med" len="med"/>
+              <a:tailEnd type="arrow" w="med" len="med"/>
+            </a:ln>
+          </p:spPr>
+          <p:style>
+            <a:lnRef idx="0">
+              <a:scrgbClr r="0" g="0" b="0"/>
+            </a:lnRef>
+            <a:fillRef idx="0">
+              <a:scrgbClr r="0" g="0" b="0"/>
+            </a:fillRef>
+            <a:effectRef idx="0">
+              <a:scrgbClr r="0" g="0" b="0"/>
+            </a:effectRef>
+            <a:fontRef idx="minor">
+              <a:schemeClr val="tx1"/>
+            </a:fontRef>
+          </p:style>
+        </p:cxnSp>
+        <p:cxnSp>
+          <p:nvCxnSpPr>
+            <p:cNvPr id="17" name="直線矢印コネクタ 16">
+              <a:extLst>
+                <a:ext uri="{FF2B5EF4-FFF2-40B4-BE49-F238E27FC236}">
+                  <a16:creationId xmlns:a16="http://schemas.microsoft.com/office/drawing/2014/main" id="{63486735-2C96-374B-BD2B-487CBCEF4DAB}"/>
+                </a:ext>
+              </a:extLst>
+            </p:cNvPr>
+            <p:cNvCxnSpPr>
+              <a:cxnSpLocks/>
+            </p:cNvCxnSpPr>
+            <p:nvPr/>
+          </p:nvCxnSpPr>
+          <p:spPr>
+            <a:xfrm flipV="1">
+              <a:off x="3954944" y="3587593"/>
+              <a:ext cx="1566435" cy="787179"/>
+            </a:xfrm>
+            <a:prstGeom prst="straightConnector1">
+              <a:avLst/>
+            </a:prstGeom>
+            <a:ln w="28575" cap="flat" cmpd="sng" algn="ctr">
+              <a:solidFill>
+                <a:schemeClr val="dk1"/>
+              </a:solidFill>
+              <a:prstDash val="solid"/>
+              <a:round/>
+              <a:headEnd type="none" w="med" len="med"/>
+              <a:tailEnd type="arrow" w="med" len="med"/>
+            </a:ln>
+          </p:spPr>
+          <p:style>
+            <a:lnRef idx="0">
+              <a:scrgbClr r="0" g="0" b="0"/>
+            </a:lnRef>
+            <a:fillRef idx="0">
+              <a:scrgbClr r="0" g="0" b="0"/>
+            </a:fillRef>
+            <a:effectRef idx="0">
+              <a:scrgbClr r="0" g="0" b="0"/>
+            </a:effectRef>
+            <a:fontRef idx="minor">
+              <a:schemeClr val="tx1"/>
+            </a:fontRef>
+          </p:style>
+        </p:cxnSp>
+        <p:cxnSp>
+          <p:nvCxnSpPr>
+            <p:cNvPr id="18" name="直線矢印コネクタ 17">
+              <a:extLst>
+                <a:ext uri="{FF2B5EF4-FFF2-40B4-BE49-F238E27FC236}">
+                  <a16:creationId xmlns:a16="http://schemas.microsoft.com/office/drawing/2014/main" id="{8E88FF1E-3D75-914B-B3C2-9415C08CA258}"/>
+                </a:ext>
+              </a:extLst>
+            </p:cNvPr>
+            <p:cNvCxnSpPr>
+              <a:cxnSpLocks/>
+            </p:cNvCxnSpPr>
+            <p:nvPr/>
+          </p:nvCxnSpPr>
+          <p:spPr>
+            <a:xfrm flipH="1" flipV="1">
+              <a:off x="6351236" y="3587593"/>
+              <a:ext cx="1566435" cy="787179"/>
+            </a:xfrm>
+            <a:prstGeom prst="straightConnector1">
+              <a:avLst/>
+            </a:prstGeom>
+            <a:ln w="28575" cap="flat" cmpd="sng" algn="ctr">
+              <a:solidFill>
+                <a:schemeClr val="dk1"/>
+              </a:solidFill>
+              <a:prstDash val="solid"/>
+              <a:round/>
+              <a:headEnd type="none" w="med" len="med"/>
+              <a:tailEnd type="arrow" w="med" len="med"/>
+            </a:ln>
+          </p:spPr>
+          <p:style>
+            <a:lnRef idx="0">
+              <a:scrgbClr r="0" g="0" b="0"/>
+            </a:lnRef>
+            <a:fillRef idx="0">
+              <a:scrgbClr r="0" g="0" b="0"/>
+            </a:fillRef>
+            <a:effectRef idx="0">
+              <a:scrgbClr r="0" g="0" b="0"/>
+            </a:effectRef>
+            <a:fontRef idx="minor">
+              <a:schemeClr val="tx1"/>
+            </a:fontRef>
+          </p:style>
+        </p:cxnSp>
+        <p:sp>
+          <p:nvSpPr>
+            <p:cNvPr id="19" name="テキスト ボックス 18">
+              <a:extLst>
+                <a:ext uri="{FF2B5EF4-FFF2-40B4-BE49-F238E27FC236}">
+                  <a16:creationId xmlns:a16="http://schemas.microsoft.com/office/drawing/2014/main" id="{FE792414-DC32-A248-BEA7-8AF47F0ED7D8}"/>
+                </a:ext>
+              </a:extLst>
+            </p:cNvPr>
+            <p:cNvSpPr txBox="1"/>
+            <p:nvPr/>
+          </p:nvSpPr>
+          <p:spPr>
+            <a:xfrm>
+              <a:off x="3021361" y="3456181"/>
+              <a:ext cx="2031325" cy="461665"/>
+            </a:xfrm>
+            <a:prstGeom prst="rect">
+              <a:avLst/>
+            </a:prstGeom>
+            <a:noFill/>
+          </p:spPr>
+          <p:txBody>
+            <a:bodyPr wrap="none" rtlCol="0">
+              <a:spAutoFit/>
+            </a:bodyPr>
+            <a:lstStyle/>
+            <a:p>
+              <a:r>
+                <a:rPr lang="en-US" altLang="ja-JP" sz="1200" dirty="0" err="1"/>
+                <a:t>sqluser</a:t>
+              </a:r>
+              <a:r>
+                <a:rPr lang="en-US" altLang="ja-JP" sz="1200" dirty="0"/>
+                <a:t> </a:t>
+              </a:r>
+              <a:r>
+                <a:rPr lang="ja-JP" altLang="en-US" sz="1200"/>
+                <a:t>やアプリを</a:t>
+              </a:r>
+              <a:endParaRPr lang="en-US" altLang="ja-JP" sz="1200" dirty="0"/>
+            </a:p>
+            <a:p>
+              <a:r>
+                <a:rPr lang="ja-JP" altLang="en-US" sz="1200"/>
+                <a:t>データベースロールに追加</a:t>
+              </a:r>
+              <a:endParaRPr lang="en-US" altLang="ja-JP" sz="1200" dirty="0"/>
+            </a:p>
+          </p:txBody>
+        </p:sp>
+        <p:sp>
+          <p:nvSpPr>
+            <p:cNvPr id="20" name="テキスト ボックス 19">
+              <a:extLst>
+                <a:ext uri="{FF2B5EF4-FFF2-40B4-BE49-F238E27FC236}">
+                  <a16:creationId xmlns:a16="http://schemas.microsoft.com/office/drawing/2014/main" id="{1EE0F147-6E0D-1047-BB23-88E9840F566F}"/>
+                </a:ext>
+              </a:extLst>
+            </p:cNvPr>
+            <p:cNvSpPr txBox="1"/>
+            <p:nvPr/>
+          </p:nvSpPr>
+          <p:spPr>
+            <a:xfrm>
+              <a:off x="7000781" y="2595611"/>
+              <a:ext cx="2335896" cy="461665"/>
+            </a:xfrm>
+            <a:prstGeom prst="rect">
+              <a:avLst/>
+            </a:prstGeom>
+            <a:noFill/>
+          </p:spPr>
+          <p:txBody>
+            <a:bodyPr wrap="none" rtlCol="0">
+              <a:spAutoFit/>
+            </a:bodyPr>
+            <a:lstStyle/>
+            <a:p>
+              <a:r>
+                <a:rPr kumimoji="1" lang="en-US" altLang="ja-JP" sz="1200" dirty="0"/>
+                <a:t>Azure Data</a:t>
+              </a:r>
+              <a:r>
+                <a:rPr lang="ja-JP" altLang="en-US" sz="1200"/>
+                <a:t> </a:t>
+              </a:r>
+              <a:r>
+                <a:rPr lang="en-US" altLang="ja-JP" sz="1200" dirty="0"/>
+                <a:t>Studio </a:t>
+              </a:r>
+              <a:r>
+                <a:rPr lang="ja-JP" altLang="en-US" sz="1200"/>
+                <a:t>等の </a:t>
+              </a:r>
+              <a:r>
+                <a:rPr lang="en-US" altLang="ja-JP" sz="1200" dirty="0"/>
+                <a:t>GUI</a:t>
+              </a:r>
+              <a:r>
+                <a:rPr lang="ja-JP" altLang="en-US" sz="1200"/>
+                <a:t> で</a:t>
+              </a:r>
+              <a:br>
+                <a:rPr lang="en-US" altLang="ja-JP" sz="1200" dirty="0"/>
+              </a:br>
+              <a:r>
+                <a:rPr lang="ja-JP" altLang="en-US" sz="1200"/>
+                <a:t>開発・保守・運用作業を行う</a:t>
+              </a:r>
+              <a:endParaRPr lang="en-US" altLang="ja-JP" sz="1200" dirty="0"/>
+            </a:p>
+          </p:txBody>
+        </p:sp>
+        <p:sp>
+          <p:nvSpPr>
+            <p:cNvPr id="21" name="テキスト ボックス 20">
+              <a:extLst>
+                <a:ext uri="{FF2B5EF4-FFF2-40B4-BE49-F238E27FC236}">
+                  <a16:creationId xmlns:a16="http://schemas.microsoft.com/office/drawing/2014/main" id="{0B983815-8387-0641-870D-A992D66C4C29}"/>
+                </a:ext>
+              </a:extLst>
+            </p:cNvPr>
+            <p:cNvSpPr txBox="1"/>
+            <p:nvPr/>
+          </p:nvSpPr>
+          <p:spPr>
+            <a:xfrm>
+              <a:off x="7000781" y="3484801"/>
+              <a:ext cx="2031325" cy="461665"/>
+            </a:xfrm>
+            <a:prstGeom prst="rect">
+              <a:avLst/>
+            </a:prstGeom>
+            <a:noFill/>
+          </p:spPr>
+          <p:txBody>
+            <a:bodyPr wrap="none" rtlCol="0">
+              <a:spAutoFit/>
+            </a:bodyPr>
+            <a:lstStyle/>
+            <a:p>
+              <a:r>
+                <a:rPr lang="ja-JP" altLang="en-US" sz="1200"/>
+                <a:t>アクセストークンを用いて</a:t>
+              </a:r>
+              <a:endParaRPr lang="en-US" altLang="ja-JP" sz="1200" dirty="0"/>
+            </a:p>
+            <a:p>
+              <a:r>
+                <a:rPr lang="ja-JP" altLang="en-US" sz="1200"/>
+                <a:t>データベースに接続</a:t>
+              </a:r>
+              <a:endParaRPr lang="en-US" altLang="ja-JP" sz="1200" dirty="0"/>
+            </a:p>
+          </p:txBody>
+        </p:sp>
+        <p:pic>
+          <p:nvPicPr>
+            <p:cNvPr id="26" name="図 25">
+              <a:extLst>
+                <a:ext uri="{FF2B5EF4-FFF2-40B4-BE49-F238E27FC236}">
+                  <a16:creationId xmlns:a16="http://schemas.microsoft.com/office/drawing/2014/main" id="{101FFB3D-2C83-DB4E-A0BB-D8D96C7BD9FD}"/>
+                </a:ext>
+              </a:extLst>
+            </p:cNvPr>
+            <p:cNvPicPr>
+              <a:picLocks noChangeAspect="1"/>
+            </p:cNvPicPr>
+            <p:nvPr/>
+          </p:nvPicPr>
+          <p:blipFill>
+            <a:blip r:embed="rId3">
+              <a:extLst>
+                <a:ext uri="{28A0092B-C50C-407E-A947-70E740481C1C}">
+                  <a14:useLocalDpi xmlns:a14="http://schemas.microsoft.com/office/drawing/2010/main" val="0"/>
+                </a:ext>
+              </a:extLst>
+            </a:blip>
+            <a:stretch>
+              <a:fillRect/>
+            </a:stretch>
+          </p:blipFill>
+          <p:spPr>
+            <a:xfrm>
+              <a:off x="5561852" y="211239"/>
+              <a:ext cx="774700" cy="774700"/>
+            </a:xfrm>
+            <a:prstGeom prst="rect">
+              <a:avLst/>
+            </a:prstGeom>
+          </p:spPr>
+        </p:pic>
+        <p:cxnSp>
+          <p:nvCxnSpPr>
+            <p:cNvPr id="27" name="直線矢印コネクタ 26">
+              <a:extLst>
+                <a:ext uri="{FF2B5EF4-FFF2-40B4-BE49-F238E27FC236}">
+                  <a16:creationId xmlns:a16="http://schemas.microsoft.com/office/drawing/2014/main" id="{C8885767-7101-E94C-ACCB-CABEB87B79B7}"/>
+                </a:ext>
+              </a:extLst>
+            </p:cNvPr>
+            <p:cNvCxnSpPr>
+              <a:cxnSpLocks/>
+            </p:cNvCxnSpPr>
+            <p:nvPr/>
+          </p:nvCxnSpPr>
+          <p:spPr>
+            <a:xfrm flipV="1">
+              <a:off x="5949202" y="1001364"/>
+              <a:ext cx="6369" cy="1031566"/>
+            </a:xfrm>
+            <a:prstGeom prst="straightConnector1">
+              <a:avLst/>
+            </a:prstGeom>
+            <a:ln w="28575" cap="flat" cmpd="sng" algn="ctr">
+              <a:solidFill>
+                <a:schemeClr val="dk1"/>
+              </a:solidFill>
+              <a:prstDash val="dash"/>
+              <a:round/>
+              <a:headEnd type="none" w="med" len="med"/>
+              <a:tailEnd type="arrow" w="med" len="med"/>
+            </a:ln>
+          </p:spPr>
+          <p:style>
+            <a:lnRef idx="0">
+              <a:scrgbClr r="0" g="0" b="0"/>
+            </a:lnRef>
+            <a:fillRef idx="0">
+              <a:scrgbClr r="0" g="0" b="0"/>
+            </a:fillRef>
+            <a:effectRef idx="0">
+              <a:scrgbClr r="0" g="0" b="0"/>
+            </a:effectRef>
+            <a:fontRef idx="minor">
+              <a:schemeClr val="tx1"/>
+            </a:fontRef>
+          </p:style>
+        </p:cxnSp>
+        <p:sp>
+          <p:nvSpPr>
+            <p:cNvPr id="29" name="テキスト ボックス 28">
+              <a:extLst>
+                <a:ext uri="{FF2B5EF4-FFF2-40B4-BE49-F238E27FC236}">
+                  <a16:creationId xmlns:a16="http://schemas.microsoft.com/office/drawing/2014/main" id="{357111D7-9FCD-C74A-9DB0-36A513A00417}"/>
+                </a:ext>
+              </a:extLst>
+            </p:cNvPr>
+            <p:cNvSpPr txBox="1"/>
+            <p:nvPr/>
+          </p:nvSpPr>
+          <p:spPr>
+            <a:xfrm>
+              <a:off x="5443735" y="1376345"/>
+              <a:ext cx="492443" cy="276999"/>
+            </a:xfrm>
+            <a:prstGeom prst="rect">
+              <a:avLst/>
+            </a:prstGeom>
+            <a:noFill/>
+          </p:spPr>
+          <p:txBody>
+            <a:bodyPr wrap="none" rtlCol="0">
+              <a:spAutoFit/>
+            </a:bodyPr>
+            <a:lstStyle/>
+            <a:p>
+              <a:r>
+                <a:rPr lang="ja-JP" altLang="en-US" sz="1200"/>
+                <a:t>信頼</a:t>
+              </a:r>
+              <a:endParaRPr kumimoji="1" lang="en-US" altLang="ja-JP" sz="1200" dirty="0"/>
+            </a:p>
+          </p:txBody>
+        </p:sp>
+        <p:sp>
+          <p:nvSpPr>
+            <p:cNvPr id="30" name="テキスト ボックス 29">
+              <a:extLst>
+                <a:ext uri="{FF2B5EF4-FFF2-40B4-BE49-F238E27FC236}">
+                  <a16:creationId xmlns:a16="http://schemas.microsoft.com/office/drawing/2014/main" id="{AD7BD991-123A-3C42-813C-78C673112B97}"/>
+                </a:ext>
+              </a:extLst>
+            </p:cNvPr>
+            <p:cNvSpPr txBox="1"/>
+            <p:nvPr/>
+          </p:nvSpPr>
+          <p:spPr>
+            <a:xfrm>
+              <a:off x="6336552" y="442407"/>
+              <a:ext cx="1760418" cy="276999"/>
+            </a:xfrm>
+            <a:prstGeom prst="rect">
+              <a:avLst/>
+            </a:prstGeom>
+            <a:noFill/>
+          </p:spPr>
+          <p:txBody>
+            <a:bodyPr wrap="none" rtlCol="0">
+              <a:spAutoFit/>
+            </a:bodyPr>
+            <a:lstStyle/>
+            <a:p>
+              <a:r>
+                <a:rPr kumimoji="1" lang="en-US" altLang="ja-JP" sz="1200" dirty="0"/>
+                <a:t>Azure Active Directory</a:t>
+              </a:r>
+            </a:p>
+          </p:txBody>
+        </p:sp>
+        <p:sp>
+          <p:nvSpPr>
+            <p:cNvPr id="31" name="左中かっこ 30">
+              <a:extLst>
+                <a:ext uri="{FF2B5EF4-FFF2-40B4-BE49-F238E27FC236}">
+                  <a16:creationId xmlns:a16="http://schemas.microsoft.com/office/drawing/2014/main" id="{BBEBF3B0-3743-E64A-8B98-5C0BDF150836}"/>
+                </a:ext>
+              </a:extLst>
+            </p:cNvPr>
+            <p:cNvSpPr/>
+            <p:nvPr/>
+          </p:nvSpPr>
+          <p:spPr>
+            <a:xfrm>
+              <a:off x="2425730" y="564543"/>
+              <a:ext cx="307626" cy="4845414"/>
+            </a:xfrm>
+            <a:prstGeom prst="leftBrace">
+              <a:avLst/>
+            </a:prstGeom>
+          </p:spPr>
+          <p:style>
+            <a:lnRef idx="1">
+              <a:schemeClr val="accent1"/>
+            </a:lnRef>
+            <a:fillRef idx="0">
+              <a:schemeClr val="accent1"/>
+            </a:fillRef>
+            <a:effectRef idx="0">
+              <a:schemeClr val="accent1"/>
+            </a:effectRef>
+            <a:fontRef idx="minor">
+              <a:schemeClr val="tx1"/>
+            </a:fontRef>
+          </p:style>
+          <p:txBody>
+            <a:bodyPr rtlCol="0" anchor="ctr"/>
+            <a:lstStyle/>
+            <a:p>
+              <a:pPr algn="ctr"/>
+              <a:endParaRPr kumimoji="1" lang="ja-JP" altLang="en-US"/>
+            </a:p>
+          </p:txBody>
+        </p:sp>
+        <p:sp>
+          <p:nvSpPr>
+            <p:cNvPr id="32" name="テキスト ボックス 31">
+              <a:extLst>
+                <a:ext uri="{FF2B5EF4-FFF2-40B4-BE49-F238E27FC236}">
+                  <a16:creationId xmlns:a16="http://schemas.microsoft.com/office/drawing/2014/main" id="{90F5AFB0-79AB-814A-B555-86D6909B906C}"/>
+                </a:ext>
+              </a:extLst>
+            </p:cNvPr>
+            <p:cNvSpPr txBox="1"/>
+            <p:nvPr/>
+          </p:nvSpPr>
+          <p:spPr>
+            <a:xfrm>
+              <a:off x="1899975" y="2826443"/>
+              <a:ext cx="543739" cy="307777"/>
+            </a:xfrm>
+            <a:prstGeom prst="rect">
+              <a:avLst/>
+            </a:prstGeom>
+            <a:noFill/>
+          </p:spPr>
+          <p:txBody>
+            <a:bodyPr wrap="none" rtlCol="0">
+              <a:spAutoFit/>
+            </a:bodyPr>
+            <a:lstStyle/>
+            <a:p>
+              <a:pPr algn="ctr"/>
+              <a:r>
+                <a:rPr lang="ja-JP" altLang="en-US" sz="1400"/>
+                <a:t>構成</a:t>
+              </a:r>
+              <a:endParaRPr kumimoji="1" lang="en-US" altLang="ja-JP" sz="1400" dirty="0"/>
+            </a:p>
+          </p:txBody>
+        </p:sp>
+        <p:sp>
+          <p:nvSpPr>
+            <p:cNvPr id="33" name="左中かっこ 32">
+              <a:extLst>
+                <a:ext uri="{FF2B5EF4-FFF2-40B4-BE49-F238E27FC236}">
+                  <a16:creationId xmlns:a16="http://schemas.microsoft.com/office/drawing/2014/main" id="{BCE99191-EA4F-3644-A91E-5F7E8F7ADDAB}"/>
+                </a:ext>
+              </a:extLst>
+            </p:cNvPr>
+            <p:cNvSpPr/>
+            <p:nvPr/>
+          </p:nvSpPr>
+          <p:spPr>
+            <a:xfrm flipH="1">
+              <a:off x="9311724" y="1376344"/>
+              <a:ext cx="298256" cy="4033612"/>
+            </a:xfrm>
+            <a:prstGeom prst="leftBrace">
+              <a:avLst/>
+            </a:prstGeom>
+          </p:spPr>
+          <p:style>
+            <a:lnRef idx="1">
+              <a:schemeClr val="accent1"/>
+            </a:lnRef>
+            <a:fillRef idx="0">
+              <a:schemeClr val="accent1"/>
+            </a:fillRef>
+            <a:effectRef idx="0">
+              <a:schemeClr val="accent1"/>
+            </a:effectRef>
+            <a:fontRef idx="minor">
+              <a:schemeClr val="tx1"/>
+            </a:fontRef>
+          </p:style>
+          <p:txBody>
+            <a:bodyPr rtlCol="0" anchor="ctr"/>
+            <a:lstStyle/>
+            <a:p>
+              <a:pPr algn="ctr"/>
+              <a:endParaRPr kumimoji="1" lang="ja-JP" altLang="en-US"/>
+            </a:p>
+          </p:txBody>
+        </p:sp>
+        <p:sp>
+          <p:nvSpPr>
+            <p:cNvPr id="34" name="テキスト ボックス 33">
+              <a:extLst>
+                <a:ext uri="{FF2B5EF4-FFF2-40B4-BE49-F238E27FC236}">
+                  <a16:creationId xmlns:a16="http://schemas.microsoft.com/office/drawing/2014/main" id="{405F58E3-51AB-014B-9C97-5C970C38ABE2}"/>
+                </a:ext>
+              </a:extLst>
+            </p:cNvPr>
+            <p:cNvSpPr txBox="1"/>
+            <p:nvPr/>
+          </p:nvSpPr>
+          <p:spPr>
+            <a:xfrm>
+              <a:off x="9652276" y="3239261"/>
+              <a:ext cx="543740" cy="307777"/>
+            </a:xfrm>
+            <a:prstGeom prst="rect">
+              <a:avLst/>
+            </a:prstGeom>
+            <a:noFill/>
+          </p:spPr>
+          <p:txBody>
+            <a:bodyPr wrap="none" rtlCol="0">
+              <a:spAutoFit/>
+            </a:bodyPr>
+            <a:lstStyle/>
+            <a:p>
+              <a:pPr algn="ctr"/>
+              <a:r>
+                <a:rPr lang="ja-JP" altLang="en-US" sz="1400"/>
+                <a:t>利用</a:t>
+              </a:r>
+              <a:endParaRPr kumimoji="1" lang="en-US" altLang="ja-JP" sz="1400" dirty="0"/>
+            </a:p>
+          </p:txBody>
+        </p:sp>
+        <p:cxnSp>
+          <p:nvCxnSpPr>
+            <p:cNvPr id="36" name="直線矢印コネクタ 35">
+              <a:extLst>
+                <a:ext uri="{FF2B5EF4-FFF2-40B4-BE49-F238E27FC236}">
+                  <a16:creationId xmlns:a16="http://schemas.microsoft.com/office/drawing/2014/main" id="{79598D40-8643-534D-801F-C3DD0617CD07}"/>
+                </a:ext>
+              </a:extLst>
+            </p:cNvPr>
+            <p:cNvCxnSpPr>
+              <a:cxnSpLocks/>
+            </p:cNvCxnSpPr>
+            <p:nvPr/>
+          </p:nvCxnSpPr>
+          <p:spPr>
+            <a:xfrm flipV="1">
+              <a:off x="3959301" y="800604"/>
+              <a:ext cx="1557720" cy="995421"/>
+            </a:xfrm>
+            <a:prstGeom prst="straightConnector1">
+              <a:avLst/>
+            </a:prstGeom>
+            <a:ln w="28575" cap="flat" cmpd="sng" algn="ctr">
+              <a:solidFill>
+                <a:schemeClr val="dk1"/>
+              </a:solidFill>
+              <a:prstDash val="solid"/>
+              <a:round/>
+              <a:headEnd type="none" w="med" len="med"/>
+              <a:tailEnd type="arrow" w="med" len="med"/>
+            </a:ln>
+          </p:spPr>
+          <p:style>
+            <a:lnRef idx="0">
+              <a:scrgbClr r="0" g="0" b="0"/>
+            </a:lnRef>
+            <a:fillRef idx="0">
+              <a:scrgbClr r="0" g="0" b="0"/>
+            </a:fillRef>
+            <a:effectRef idx="0">
+              <a:scrgbClr r="0" g="0" b="0"/>
+            </a:effectRef>
+            <a:fontRef idx="minor">
+              <a:schemeClr val="tx1"/>
+            </a:fontRef>
+          </p:style>
+        </p:cxnSp>
+        <p:sp>
+          <p:nvSpPr>
+            <p:cNvPr id="38" name="テキスト ボックス 37">
+              <a:extLst>
+                <a:ext uri="{FF2B5EF4-FFF2-40B4-BE49-F238E27FC236}">
+                  <a16:creationId xmlns:a16="http://schemas.microsoft.com/office/drawing/2014/main" id="{7F5619ED-8779-2C4C-8B81-3174C76FDEA2}"/>
+                </a:ext>
+              </a:extLst>
+            </p:cNvPr>
+            <p:cNvSpPr txBox="1"/>
+            <p:nvPr/>
+          </p:nvSpPr>
+          <p:spPr>
+            <a:xfrm>
+              <a:off x="3527120" y="683127"/>
+              <a:ext cx="1877437" cy="276999"/>
+            </a:xfrm>
+            <a:prstGeom prst="rect">
+              <a:avLst/>
+            </a:prstGeom>
+            <a:noFill/>
+          </p:spPr>
+          <p:txBody>
+            <a:bodyPr wrap="none" rtlCol="0">
+              <a:spAutoFit/>
+            </a:bodyPr>
+            <a:lstStyle/>
+            <a:p>
+              <a:r>
+                <a:rPr lang="ja-JP" altLang="en-US" sz="1200"/>
+                <a:t>ユーザーやアプリを登録</a:t>
+              </a:r>
+              <a:endParaRPr kumimoji="1" lang="en-US" altLang="ja-JP" sz="1200" dirty="0"/>
+            </a:p>
+          </p:txBody>
+        </p:sp>
+      </p:grpSp>
+    </p:spTree>
+    <p:extLst>
+      <p:ext uri="{BB962C8B-B14F-4D97-AF65-F5344CB8AC3E}">
+        <p14:creationId xmlns:p14="http://schemas.microsoft.com/office/powerpoint/2010/main" val="3891477741"/>
+      </p:ext>
+    </p:extLst>
+  </p:cSld>
+  <p:clrMapOvr>
+    <a:masterClrMapping/>
+  </p:clrMapOvr>
+</p:sld>
+</file>
+
+<file path=ppt/slides/slide10.xml><?xml version="1.0" encoding="utf-8"?>
+<p:sld xmlns:a="http://schemas.openxmlformats.org/drawingml/2006/main" xmlns:r="http://schemas.openxmlformats.org/officeDocument/2006/relationships" xmlns:p="http://schemas.openxmlformats.org/presentationml/2006/main">
+  <p:cSld>
+    <p:spTree>
+      <p:nvGrpSpPr>
+        <p:cNvPr id="1" name=""/>
+        <p:cNvGrpSpPr/>
+        <p:nvPr/>
+      </p:nvGrpSpPr>
+      <p:grpSpPr>
+        <a:xfrm>
+          <a:off x="0" y="0"/>
+          <a:ext cx="0" cy="0"/>
+          <a:chOff x="0" y="0"/>
+          <a:chExt cx="0" cy="0"/>
+        </a:xfrm>
+      </p:grpSpPr>
+      <p:pic>
+        <p:nvPicPr>
+          <p:cNvPr id="4" name="図 3">
+            <a:extLst>
+              <a:ext uri="{FF2B5EF4-FFF2-40B4-BE49-F238E27FC236}">
+                <a16:creationId xmlns:a16="http://schemas.microsoft.com/office/drawing/2014/main" id="{19B31A09-D0F7-C540-B046-AD35CAB16093}"/>
+              </a:ext>
+            </a:extLst>
+          </p:cNvPr>
+          <p:cNvPicPr>
+            <a:picLocks noChangeAspect="1"/>
+          </p:cNvPicPr>
+          <p:nvPr/>
+        </p:nvPicPr>
+        <p:blipFill>
+          <a:blip r:embed="rId2"/>
+          <a:stretch>
+            <a:fillRect/>
+          </a:stretch>
+        </p:blipFill>
+        <p:spPr>
+          <a:xfrm>
+            <a:off x="3765550" y="2400300"/>
+            <a:ext cx="4660900" cy="2057400"/>
+          </a:xfrm>
+          <a:prstGeom prst="rect">
+            <a:avLst/>
+          </a:prstGeom>
+          <a:ln>
+            <a:noFill/>
+          </a:ln>
+          <a:effectLst>
+            <a:outerShdw blurRad="292100" dist="139700" dir="2700000" algn="tl" rotWithShape="0">
+              <a:srgbClr val="333333">
+                <a:alpha val="65000"/>
+              </a:srgbClr>
+            </a:outerShdw>
+          </a:effectLst>
+        </p:spPr>
+      </p:pic>
+    </p:spTree>
+    <p:extLst>
+      <p:ext uri="{BB962C8B-B14F-4D97-AF65-F5344CB8AC3E}">
+        <p14:creationId xmlns:p14="http://schemas.microsoft.com/office/powerpoint/2010/main" val="41692192"/>
+      </p:ext>
+    </p:extLst>
+  </p:cSld>
+  <p:clrMapOvr>
+    <a:masterClrMapping/>
+  </p:clrMapOvr>
+</p:sld>
+</file>
+
+<file path=ppt/slides/slide2.xml><?xml version="1.0" encoding="utf-8"?>
+<p:sld xmlns:a="http://schemas.openxmlformats.org/drawingml/2006/main" xmlns:r="http://schemas.openxmlformats.org/officeDocument/2006/relationships" xmlns:p="http://schemas.openxmlformats.org/presentationml/2006/main">
+  <p:cSld>
+    <p:spTree>
+      <p:nvGrpSpPr>
+        <p:cNvPr id="1" name=""/>
+        <p:cNvGrpSpPr/>
+        <p:nvPr/>
+      </p:nvGrpSpPr>
+      <p:grpSpPr>
+        <a:xfrm>
+          <a:off x="0" y="0"/>
+          <a:ext cx="0" cy="0"/>
+          <a:chOff x="0" y="0"/>
+          <a:chExt cx="0" cy="0"/>
+        </a:xfrm>
+      </p:grpSpPr>
       <p:pic>
         <p:nvPicPr>
           <p:cNvPr id="4" name="図 3">
@@ -3728,7 +5117,7 @@
 </p:sld>
 </file>
 
-<file path=ppt/slides/slide2.xml><?xml version="1.0" encoding="utf-8"?>
+<file path=ppt/slides/slide3.xml><?xml version="1.0" encoding="utf-8"?>
 <p:sld xmlns:a="http://schemas.openxmlformats.org/drawingml/2006/main" xmlns:r="http://schemas.openxmlformats.org/officeDocument/2006/relationships" xmlns:p="http://schemas.openxmlformats.org/presentationml/2006/main">
   <p:cSld>
     <p:spTree>
@@ -3851,7 +5240,7 @@
 </p:sld>
 </file>
 
-<file path=ppt/slides/slide3.xml><?xml version="1.0" encoding="utf-8"?>
+<file path=ppt/slides/slide4.xml><?xml version="1.0" encoding="utf-8"?>
 <p:sld xmlns:a="http://schemas.openxmlformats.org/drawingml/2006/main" xmlns:r="http://schemas.openxmlformats.org/officeDocument/2006/relationships" xmlns:p="http://schemas.openxmlformats.org/presentationml/2006/main">
   <p:cSld>
     <p:spTree>
@@ -3974,7 +5363,7 @@
 </p:sld>
 </file>
 
-<file path=ppt/slides/slide4.xml><?xml version="1.0" encoding="utf-8"?>
+<file path=ppt/slides/slide5.xml><?xml version="1.0" encoding="utf-8"?>
 <p:sld xmlns:a="http://schemas.openxmlformats.org/drawingml/2006/main" xmlns:r="http://schemas.openxmlformats.org/officeDocument/2006/relationships" xmlns:p="http://schemas.openxmlformats.org/presentationml/2006/main">
   <p:cSld>
     <p:spTree>
@@ -4044,7 +5433,7 @@
 </p:sld>
 </file>
 
-<file path=ppt/slides/slide5.xml><?xml version="1.0" encoding="utf-8"?>
+<file path=ppt/slides/slide6.xml><?xml version="1.0" encoding="utf-8"?>
 <p:sld xmlns:a="http://schemas.openxmlformats.org/drawingml/2006/main" xmlns:r="http://schemas.openxmlformats.org/officeDocument/2006/relationships" xmlns:p="http://schemas.openxmlformats.org/presentationml/2006/main">
   <p:cSld>
     <p:spTree>
@@ -4114,7 +5503,7 @@
 </p:sld>
 </file>
 
-<file path=ppt/slides/slide6.xml><?xml version="1.0" encoding="utf-8"?>
+<file path=ppt/slides/slide7.xml><?xml version="1.0" encoding="utf-8"?>
 <p:sld xmlns:a="http://schemas.openxmlformats.org/drawingml/2006/main" xmlns:r="http://schemas.openxmlformats.org/officeDocument/2006/relationships" xmlns:p="http://schemas.openxmlformats.org/presentationml/2006/main">
   <p:cSld>
     <p:spTree>
@@ -4277,7 +5666,7 @@
 </p:sld>
 </file>
 
-<file path=ppt/slides/slide7.xml><?xml version="1.0" encoding="utf-8"?>
+<file path=ppt/slides/slide8.xml><?xml version="1.0" encoding="utf-8"?>
 <p:sld xmlns:a="http://schemas.openxmlformats.org/drawingml/2006/main" xmlns:r="http://schemas.openxmlformats.org/officeDocument/2006/relationships" xmlns:p="http://schemas.openxmlformats.org/presentationml/2006/main">
   <p:cSld>
     <p:spTree>
@@ -4483,7 +5872,7 @@
 </p:sld>
 </file>
 
-<file path=ppt/slides/slide8.xml><?xml version="1.0" encoding="utf-8"?>
+<file path=ppt/slides/slide9.xml><?xml version="1.0" encoding="utf-8"?>
 <p:sld xmlns:a="http://schemas.openxmlformats.org/drawingml/2006/main" xmlns:r="http://schemas.openxmlformats.org/officeDocument/2006/relationships" xmlns:p="http://schemas.openxmlformats.org/presentationml/2006/main">
   <p:cSld>
     <p:spTree>
@@ -4534,76 +5923,6 @@
     <p:extLst>
       <p:ext uri="{BB962C8B-B14F-4D97-AF65-F5344CB8AC3E}">
         <p14:creationId xmlns:p14="http://schemas.microsoft.com/office/powerpoint/2010/main" val="4265222244"/>
-      </p:ext>
-    </p:extLst>
-  </p:cSld>
-  <p:clrMapOvr>
-    <a:masterClrMapping/>
-  </p:clrMapOvr>
-</p:sld>
-</file>
-
-<file path=ppt/slides/slide9.xml><?xml version="1.0" encoding="utf-8"?>
-<p:sld xmlns:a="http://schemas.openxmlformats.org/drawingml/2006/main" xmlns:r="http://schemas.openxmlformats.org/officeDocument/2006/relationships" xmlns:p="http://schemas.openxmlformats.org/presentationml/2006/main">
-  <p:cSld>
-    <p:spTree>
-      <p:nvGrpSpPr>
-        <p:cNvPr id="1" name=""/>
-        <p:cNvGrpSpPr/>
-        <p:nvPr/>
-      </p:nvGrpSpPr>
-      <p:grpSpPr>
-        <a:xfrm>
-          <a:off x="0" y="0"/>
-          <a:ext cx="0" cy="0"/>
-          <a:chOff x="0" y="0"/>
-          <a:chExt cx="0" cy="0"/>
-        </a:xfrm>
-      </p:grpSpPr>
-      <p:pic>
-        <p:nvPicPr>
-          <p:cNvPr id="4" name="図 3">
-            <a:extLst>
-              <a:ext uri="{FF2B5EF4-FFF2-40B4-BE49-F238E27FC236}">
-                <a16:creationId xmlns:a16="http://schemas.microsoft.com/office/drawing/2014/main" id="{19B31A09-D0F7-C540-B046-AD35CAB16093}"/>
-              </a:ext>
-            </a:extLst>
-          </p:cNvPr>
-          <p:cNvPicPr>
-            <a:picLocks noChangeAspect="1"/>
-          </p:cNvPicPr>
-          <p:nvPr/>
-        </p:nvPicPr>
-        <p:blipFill>
-          <a:blip r:embed="rId2"/>
-          <a:stretch>
-            <a:fillRect/>
-          </a:stretch>
-        </p:blipFill>
-        <p:spPr>
-          <a:xfrm>
-            <a:off x="3765550" y="2400300"/>
-            <a:ext cx="4660900" cy="2057400"/>
-          </a:xfrm>
-          <a:prstGeom prst="rect">
-            <a:avLst/>
-          </a:prstGeom>
-          <a:ln>
-            <a:noFill/>
-          </a:ln>
-          <a:effectLst>
-            <a:outerShdw blurRad="292100" dist="139700" dir="2700000" algn="tl" rotWithShape="0">
-              <a:srgbClr val="333333">
-                <a:alpha val="65000"/>
-              </a:srgbClr>
-            </a:outerShdw>
-          </a:effectLst>
-        </p:spPr>
-      </p:pic>
-    </p:spTree>
-    <p:extLst>
-      <p:ext uri="{BB962C8B-B14F-4D97-AF65-F5344CB8AC3E}">
-        <p14:creationId xmlns:p14="http://schemas.microsoft.com/office/powerpoint/2010/main" val="41692192"/>
       </p:ext>
     </p:extLst>
   </p:cSld>
